--- a/Projeto 1 - DA.pptx
+++ b/Projeto 1 - DA.pptx
@@ -9,8 +9,13 @@
     <p:sldId id="259" r:id="rId3"/>
     <p:sldId id="257" r:id="rId4"/>
     <p:sldId id="258" r:id="rId5"/>
-    <p:sldId id="260" r:id="rId6"/>
-    <p:sldId id="261" r:id="rId7"/>
+    <p:sldId id="262" r:id="rId6"/>
+    <p:sldId id="263" r:id="rId7"/>
+    <p:sldId id="264" r:id="rId8"/>
+    <p:sldId id="265" r:id="rId9"/>
+    <p:sldId id="266" r:id="rId10"/>
+    <p:sldId id="260" r:id="rId11"/>
+    <p:sldId id="261" r:id="rId12"/>
   </p:sldIdLst>
   <p:sldSz cx="12192000" cy="6858000"/>
   <p:notesSz cx="6858000" cy="9144000"/>
@@ -109,6 +114,11 @@
       </a:defRPr>
     </a:lvl9pPr>
   </p:defaultTextStyle>
+  <p:extLst>
+    <p:ext uri="{EFAFB233-063F-42B5-8137-9DF3F51BA10A}">
+      <p15:sldGuideLst xmlns:p15="http://schemas.microsoft.com/office/powerpoint/2012/main"/>
+    </p:ext>
+  </p:extLst>
 </p:presentation>
 </file>
 
@@ -4292,6 +4302,629 @@
 </p:sld>
 </file>
 
+<file path=ppt/slides/slide10.xml><?xml version="1.0" encoding="utf-8"?>
+<p:sld xmlns:a="http://schemas.openxmlformats.org/drawingml/2006/main" xmlns:r="http://schemas.openxmlformats.org/officeDocument/2006/relationships" xmlns:p="http://schemas.openxmlformats.org/presentationml/2006/main">
+  <p:cSld>
+    <p:bg>
+      <p:bgPr>
+        <a:solidFill>
+          <a:schemeClr val="bg1"/>
+        </a:solidFill>
+        <a:effectLst/>
+      </p:bgPr>
+    </p:bg>
+    <p:spTree>
+      <p:nvGrpSpPr>
+        <p:cNvPr id="1" name=""/>
+        <p:cNvGrpSpPr/>
+        <p:nvPr/>
+      </p:nvGrpSpPr>
+      <p:grpSpPr>
+        <a:xfrm>
+          <a:off x="0" y="0"/>
+          <a:ext cx="0" cy="0"/>
+          <a:chOff x="0" y="0"/>
+          <a:chExt cx="0" cy="0"/>
+        </a:xfrm>
+      </p:grpSpPr>
+      <p:sp>
+        <p:nvSpPr>
+          <p:cNvPr id="9" name="Rectangle 8">
+            <a:extLst>
+              <a:ext uri="{FF2B5EF4-FFF2-40B4-BE49-F238E27FC236}">
+                <a16:creationId xmlns:a16="http://schemas.microsoft.com/office/drawing/2014/main" id="{4E4490D0-3672-446A-AC12-B4830333BDDD}"/>
+              </a:ext>
+              <a:ext uri="{C183D7F6-B498-43B3-948B-1728B52AA6E4}">
+                <adec:decorative xmlns:adec="http://schemas.microsoft.com/office/drawing/2017/decorative" val="1"/>
+              </a:ext>
+            </a:extLst>
+          </p:cNvPr>
+          <p:cNvSpPr>
+            <a:spLocks noGrp="1" noRot="1" noChangeAspect="1" noMove="1" noResize="1" noEditPoints="1" noAdjustHandles="1" noChangeArrowheads="1" noChangeShapeType="1" noTextEdit="1"/>
+          </p:cNvSpPr>
+          <p:nvPr>
+            <p:extLst>
+              <p:ext uri="{386F3935-93C4-4BCD-93E2-E3B085C9AB24}">
+                <p16:designElem xmlns:p16="http://schemas.microsoft.com/office/powerpoint/2015/main" val="1"/>
+              </p:ext>
+            </p:extLst>
+          </p:nvPr>
+        </p:nvSpPr>
+        <p:spPr>
+          <a:xfrm>
+            <a:off x="3175" y="6400800"/>
+            <a:ext cx="12188825" cy="457200"/>
+          </a:xfrm>
+          <a:prstGeom prst="rect">
+            <a:avLst/>
+          </a:prstGeom>
+          <a:solidFill>
+            <a:schemeClr val="accent2"/>
+          </a:solidFill>
+          <a:ln>
+            <a:noFill/>
+          </a:ln>
+        </p:spPr>
+        <p:style>
+          <a:lnRef idx="2">
+            <a:schemeClr val="accent1">
+              <a:shade val="50000"/>
+            </a:schemeClr>
+          </a:lnRef>
+          <a:fillRef idx="1">
+            <a:schemeClr val="accent1"/>
+          </a:fillRef>
+          <a:effectRef idx="0">
+            <a:schemeClr val="accent1"/>
+          </a:effectRef>
+          <a:fontRef idx="minor">
+            <a:schemeClr val="lt1"/>
+          </a:fontRef>
+        </p:style>
+        <p:txBody>
+          <a:bodyPr/>
+          <a:lstStyle/>
+          <a:p>
+            <a:endParaRPr lang="pt-PT"/>
+          </a:p>
+        </p:txBody>
+      </p:sp>
+      <p:sp>
+        <p:nvSpPr>
+          <p:cNvPr id="11" name="Rectangle 10">
+            <a:extLst>
+              <a:ext uri="{FF2B5EF4-FFF2-40B4-BE49-F238E27FC236}">
+                <a16:creationId xmlns:a16="http://schemas.microsoft.com/office/drawing/2014/main" id="{39CB82C2-DF65-4EC1-8280-F201D50F570B}"/>
+              </a:ext>
+              <a:ext uri="{C183D7F6-B498-43B3-948B-1728B52AA6E4}">
+                <adec:decorative xmlns:adec="http://schemas.microsoft.com/office/drawing/2017/decorative" val="1"/>
+              </a:ext>
+            </a:extLst>
+          </p:cNvPr>
+          <p:cNvSpPr>
+            <a:spLocks noGrp="1" noRot="1" noChangeAspect="1" noMove="1" noResize="1" noEditPoints="1" noAdjustHandles="1" noChangeArrowheads="1" noChangeShapeType="1" noTextEdit="1"/>
+          </p:cNvSpPr>
+          <p:nvPr>
+            <p:extLst>
+              <p:ext uri="{386F3935-93C4-4BCD-93E2-E3B085C9AB24}">
+                <p16:designElem xmlns:p16="http://schemas.microsoft.com/office/powerpoint/2015/main" val="1"/>
+              </p:ext>
+            </p:extLst>
+          </p:nvPr>
+        </p:nvSpPr>
+        <p:spPr>
+          <a:xfrm>
+            <a:off x="15" y="6334316"/>
+            <a:ext cx="12188825" cy="64008"/>
+          </a:xfrm>
+          <a:prstGeom prst="rect">
+            <a:avLst/>
+          </a:prstGeom>
+          <a:solidFill>
+            <a:schemeClr val="accent1"/>
+          </a:solidFill>
+          <a:ln>
+            <a:noFill/>
+          </a:ln>
+        </p:spPr>
+        <p:style>
+          <a:lnRef idx="2">
+            <a:schemeClr val="accent1">
+              <a:shade val="50000"/>
+            </a:schemeClr>
+          </a:lnRef>
+          <a:fillRef idx="1">
+            <a:schemeClr val="accent1"/>
+          </a:fillRef>
+          <a:effectRef idx="0">
+            <a:schemeClr val="accent1"/>
+          </a:effectRef>
+          <a:fontRef idx="minor">
+            <a:schemeClr val="lt1"/>
+          </a:fontRef>
+        </p:style>
+        <p:txBody>
+          <a:bodyPr/>
+          <a:lstStyle/>
+          <a:p>
+            <a:endParaRPr lang="pt-PT"/>
+          </a:p>
+        </p:txBody>
+      </p:sp>
+      <p:cxnSp>
+        <p:nvCxnSpPr>
+          <p:cNvPr id="13" name="Straight Connector 12">
+            <a:extLst>
+              <a:ext uri="{FF2B5EF4-FFF2-40B4-BE49-F238E27FC236}">
+                <a16:creationId xmlns:a16="http://schemas.microsoft.com/office/drawing/2014/main" id="{7E1D4427-852B-4B37-8E76-0E9F1810BA2A}"/>
+              </a:ext>
+              <a:ext uri="{C183D7F6-B498-43B3-948B-1728B52AA6E4}">
+                <adec:decorative xmlns:adec="http://schemas.microsoft.com/office/drawing/2017/decorative" val="1"/>
+              </a:ext>
+            </a:extLst>
+          </p:cNvPr>
+          <p:cNvCxnSpPr>
+            <a:cxnSpLocks noGrp="1" noRot="1" noChangeAspect="1" noMove="1" noResize="1" noEditPoints="1" noAdjustHandles="1" noChangeArrowheads="1" noChangeShapeType="1"/>
+          </p:cNvCxnSpPr>
+          <p:nvPr>
+            <p:extLst>
+              <p:ext uri="{386F3935-93C4-4BCD-93E2-E3B085C9AB24}">
+                <p16:designElem xmlns:p16="http://schemas.microsoft.com/office/powerpoint/2015/main" val="1"/>
+              </p:ext>
+            </p:extLst>
+          </p:nvPr>
+        </p:nvCxnSpPr>
+        <p:spPr>
+          <a:xfrm>
+            <a:off x="1207658" y="4343400"/>
+            <a:ext cx="9875520" cy="0"/>
+          </a:xfrm>
+          <a:prstGeom prst="line">
+            <a:avLst/>
+          </a:prstGeom>
+          <a:ln w="6350">
+            <a:solidFill>
+              <a:schemeClr val="tx1">
+                <a:lumMod val="50000"/>
+                <a:lumOff val="50000"/>
+              </a:schemeClr>
+            </a:solidFill>
+          </a:ln>
+        </p:spPr>
+        <p:style>
+          <a:lnRef idx="1">
+            <a:schemeClr val="accent1"/>
+          </a:lnRef>
+          <a:fillRef idx="0">
+            <a:schemeClr val="accent1"/>
+          </a:fillRef>
+          <a:effectRef idx="0">
+            <a:schemeClr val="accent1"/>
+          </a:effectRef>
+          <a:fontRef idx="minor">
+            <a:schemeClr val="tx1"/>
+          </a:fontRef>
+        </p:style>
+      </p:cxnSp>
+      <p:sp useBgFill="1">
+        <p:nvSpPr>
+          <p:cNvPr id="15" name="Rectangle 14">
+            <a:extLst>
+              <a:ext uri="{FF2B5EF4-FFF2-40B4-BE49-F238E27FC236}">
+                <a16:creationId xmlns:a16="http://schemas.microsoft.com/office/drawing/2014/main" id="{C4AAA502-5435-489E-9538-3A40E6C71461}"/>
+              </a:ext>
+              <a:ext uri="{C183D7F6-B498-43B3-948B-1728B52AA6E4}">
+                <adec:decorative xmlns:adec="http://schemas.microsoft.com/office/drawing/2017/decorative" val="1"/>
+              </a:ext>
+            </a:extLst>
+          </p:cNvPr>
+          <p:cNvSpPr>
+            <a:spLocks noGrp="1" noRot="1" noChangeAspect="1" noMove="1" noResize="1" noEditPoints="1" noAdjustHandles="1" noChangeArrowheads="1" noChangeShapeType="1" noTextEdit="1"/>
+          </p:cNvSpPr>
+          <p:nvPr>
+            <p:extLst>
+              <p:ext uri="{386F3935-93C4-4BCD-93E2-E3B085C9AB24}">
+                <p16:designElem xmlns:p16="http://schemas.microsoft.com/office/powerpoint/2015/main" val="1"/>
+              </p:ext>
+            </p:extLst>
+          </p:nvPr>
+        </p:nvSpPr>
+        <p:spPr>
+          <a:xfrm>
+            <a:off x="0" y="0"/>
+            <a:ext cx="12192001" cy="6334316"/>
+          </a:xfrm>
+          <a:prstGeom prst="rect">
+            <a:avLst/>
+          </a:prstGeom>
+          <a:ln>
+            <a:noFill/>
+          </a:ln>
+        </p:spPr>
+        <p:style>
+          <a:lnRef idx="2">
+            <a:schemeClr val="accent1">
+              <a:shade val="50000"/>
+            </a:schemeClr>
+          </a:lnRef>
+          <a:fillRef idx="1">
+            <a:schemeClr val="accent1"/>
+          </a:fillRef>
+          <a:effectRef idx="0">
+            <a:schemeClr val="accent1"/>
+          </a:effectRef>
+          <a:fontRef idx="minor">
+            <a:schemeClr val="lt1"/>
+          </a:fontRef>
+        </p:style>
+        <p:txBody>
+          <a:bodyPr rtlCol="0" anchor="ctr"/>
+          <a:lstStyle/>
+          <a:p>
+            <a:pPr algn="ctr"/>
+            <a:endParaRPr lang="en-US"/>
+          </a:p>
+        </p:txBody>
+      </p:sp>
+      <p:sp>
+        <p:nvSpPr>
+          <p:cNvPr id="2" name="Título 1">
+            <a:extLst>
+              <a:ext uri="{FF2B5EF4-FFF2-40B4-BE49-F238E27FC236}">
+                <a16:creationId xmlns:a16="http://schemas.microsoft.com/office/drawing/2014/main" id="{7902E449-4864-C61E-DAE3-AB274BDCEC23}"/>
+              </a:ext>
+            </a:extLst>
+          </p:cNvPr>
+          <p:cNvSpPr>
+            <a:spLocks noGrp="1"/>
+          </p:cNvSpPr>
+          <p:nvPr>
+            <p:ph type="title"/>
+          </p:nvPr>
+        </p:nvSpPr>
+        <p:spPr>
+          <a:xfrm>
+            <a:off x="633999" y="4550229"/>
+            <a:ext cx="10909073" cy="1057655"/>
+          </a:xfrm>
+        </p:spPr>
+        <p:txBody>
+          <a:bodyPr vert="horz" lIns="91440" tIns="45720" rIns="91440" bIns="45720" rtlCol="0" anchor="b">
+            <a:normAutofit/>
+          </a:bodyPr>
+          <a:lstStyle/>
+          <a:p>
+            <a:r>
+              <a:rPr lang="en-US" sz="6000">
+                <a:solidFill>
+                  <a:schemeClr val="tx1">
+                    <a:lumMod val="85000"/>
+                    <a:lumOff val="15000"/>
+                  </a:schemeClr>
+                </a:solidFill>
+              </a:rPr>
+              <a:t>Principais Dificuldades</a:t>
+            </a:r>
+          </a:p>
+        </p:txBody>
+      </p:sp>
+      <p:pic>
+        <p:nvPicPr>
+          <p:cNvPr id="4" name="Marcador de Posição de Conteúdo 3">
+            <a:extLst>
+              <a:ext uri="{FF2B5EF4-FFF2-40B4-BE49-F238E27FC236}">
+                <a16:creationId xmlns:a16="http://schemas.microsoft.com/office/drawing/2014/main" id="{5C8AF630-7D14-E29D-F45B-C9BDEF1798D9}"/>
+              </a:ext>
+            </a:extLst>
+          </p:cNvPr>
+          <p:cNvPicPr>
+            <a:picLocks noGrp="1" noChangeAspect="1"/>
+          </p:cNvPicPr>
+          <p:nvPr>
+            <p:ph idx="1"/>
+          </p:nvPr>
+        </p:nvPicPr>
+        <p:blipFill>
+          <a:blip r:embed="rId2"/>
+          <a:stretch>
+            <a:fillRect/>
+          </a:stretch>
+        </p:blipFill>
+        <p:spPr>
+          <a:xfrm>
+            <a:off x="635457" y="1595574"/>
+            <a:ext cx="10916463" cy="2647242"/>
+          </a:xfrm>
+          <a:prstGeom prst="rect">
+            <a:avLst/>
+          </a:prstGeom>
+        </p:spPr>
+      </p:pic>
+      <p:cxnSp>
+        <p:nvCxnSpPr>
+          <p:cNvPr id="17" name="Straight Connector 16">
+            <a:extLst>
+              <a:ext uri="{FF2B5EF4-FFF2-40B4-BE49-F238E27FC236}">
+                <a16:creationId xmlns:a16="http://schemas.microsoft.com/office/drawing/2014/main" id="{C9AC0290-4702-4519-B0F4-C2A46880997B}"/>
+              </a:ext>
+              <a:ext uri="{C183D7F6-B498-43B3-948B-1728B52AA6E4}">
+                <adec:decorative xmlns:adec="http://schemas.microsoft.com/office/drawing/2017/decorative" val="1"/>
+              </a:ext>
+            </a:extLst>
+          </p:cNvPr>
+          <p:cNvCxnSpPr>
+            <a:cxnSpLocks noGrp="1" noRot="1" noChangeAspect="1" noMove="1" noResize="1" noEditPoints="1" noAdjustHandles="1" noChangeArrowheads="1" noChangeShapeType="1"/>
+          </p:cNvCxnSpPr>
+          <p:nvPr>
+            <p:extLst>
+              <p:ext uri="{386F3935-93C4-4BCD-93E2-E3B085C9AB24}">
+                <p16:designElem xmlns:p16="http://schemas.microsoft.com/office/powerpoint/2015/main" val="1"/>
+              </p:ext>
+            </p:extLst>
+          </p:nvPr>
+        </p:nvCxnSpPr>
+        <p:spPr>
+          <a:xfrm>
+            <a:off x="721086" y="5618770"/>
+            <a:ext cx="10515600" cy="0"/>
+          </a:xfrm>
+          <a:prstGeom prst="line">
+            <a:avLst/>
+          </a:prstGeom>
+          <a:ln w="6350">
+            <a:solidFill>
+              <a:schemeClr val="tx2">
+                <a:alpha val="90000"/>
+              </a:schemeClr>
+            </a:solidFill>
+          </a:ln>
+        </p:spPr>
+        <p:style>
+          <a:lnRef idx="1">
+            <a:schemeClr val="accent1"/>
+          </a:lnRef>
+          <a:fillRef idx="0">
+            <a:schemeClr val="accent1"/>
+          </a:fillRef>
+          <a:effectRef idx="0">
+            <a:schemeClr val="accent1"/>
+          </a:effectRef>
+          <a:fontRef idx="minor">
+            <a:schemeClr val="tx1"/>
+          </a:fontRef>
+        </p:style>
+      </p:cxnSp>
+      <p:sp>
+        <p:nvSpPr>
+          <p:cNvPr id="19" name="Rectangle 18">
+            <a:extLst>
+              <a:ext uri="{FF2B5EF4-FFF2-40B4-BE49-F238E27FC236}">
+                <a16:creationId xmlns:a16="http://schemas.microsoft.com/office/drawing/2014/main" id="{DE42378B-2E28-4810-8421-7A473A40E376}"/>
+              </a:ext>
+              <a:ext uri="{C183D7F6-B498-43B3-948B-1728B52AA6E4}">
+                <adec:decorative xmlns:adec="http://schemas.microsoft.com/office/drawing/2017/decorative" val="1"/>
+              </a:ext>
+            </a:extLst>
+          </p:cNvPr>
+          <p:cNvSpPr>
+            <a:spLocks noGrp="1" noRot="1" noChangeAspect="1" noMove="1" noResize="1" noEditPoints="1" noAdjustHandles="1" noChangeArrowheads="1" noChangeShapeType="1" noTextEdit="1"/>
+          </p:cNvSpPr>
+          <p:nvPr>
+            <p:extLst>
+              <p:ext uri="{386F3935-93C4-4BCD-93E2-E3B085C9AB24}">
+                <p16:designElem xmlns:p16="http://schemas.microsoft.com/office/powerpoint/2015/main" val="1"/>
+              </p:ext>
+            </p:extLst>
+          </p:nvPr>
+        </p:nvSpPr>
+        <p:spPr>
+          <a:xfrm>
+            <a:off x="15" y="6334316"/>
+            <a:ext cx="12191985" cy="66484"/>
+          </a:xfrm>
+          <a:prstGeom prst="rect">
+            <a:avLst/>
+          </a:prstGeom>
+          <a:solidFill>
+            <a:schemeClr val="accent1"/>
+          </a:solidFill>
+          <a:ln>
+            <a:noFill/>
+          </a:ln>
+        </p:spPr>
+        <p:style>
+          <a:lnRef idx="2">
+            <a:schemeClr val="accent1">
+              <a:shade val="50000"/>
+            </a:schemeClr>
+          </a:lnRef>
+          <a:fillRef idx="1">
+            <a:schemeClr val="accent1"/>
+          </a:fillRef>
+          <a:effectRef idx="0">
+            <a:schemeClr val="accent1"/>
+          </a:effectRef>
+          <a:fontRef idx="minor">
+            <a:schemeClr val="lt1"/>
+          </a:fontRef>
+        </p:style>
+        <p:txBody>
+          <a:bodyPr/>
+          <a:lstStyle/>
+          <a:p>
+            <a:endParaRPr lang="pt-PT"/>
+          </a:p>
+        </p:txBody>
+      </p:sp>
+      <p:sp>
+        <p:nvSpPr>
+          <p:cNvPr id="21" name="Rectangle 20">
+            <a:extLst>
+              <a:ext uri="{FF2B5EF4-FFF2-40B4-BE49-F238E27FC236}">
+                <a16:creationId xmlns:a16="http://schemas.microsoft.com/office/drawing/2014/main" id="{0D91DD17-237F-4811-BC0E-128EB1BD7CFE}"/>
+              </a:ext>
+              <a:ext uri="{C183D7F6-B498-43B3-948B-1728B52AA6E4}">
+                <adec:decorative xmlns:adec="http://schemas.microsoft.com/office/drawing/2017/decorative" val="1"/>
+              </a:ext>
+            </a:extLst>
+          </p:cNvPr>
+          <p:cNvSpPr>
+            <a:spLocks noGrp="1" noRot="1" noChangeAspect="1" noMove="1" noResize="1" noEditPoints="1" noAdjustHandles="1" noChangeArrowheads="1" noChangeShapeType="1" noTextEdit="1"/>
+          </p:cNvSpPr>
+          <p:nvPr>
+            <p:extLst>
+              <p:ext uri="{386F3935-93C4-4BCD-93E2-E3B085C9AB24}">
+                <p16:designElem xmlns:p16="http://schemas.microsoft.com/office/powerpoint/2015/main" val="1"/>
+              </p:ext>
+            </p:extLst>
+          </p:nvPr>
+        </p:nvSpPr>
+        <p:spPr>
+          <a:xfrm>
+            <a:off x="1" y="6400800"/>
+            <a:ext cx="12192000" cy="457200"/>
+          </a:xfrm>
+          <a:prstGeom prst="rect">
+            <a:avLst/>
+          </a:prstGeom>
+          <a:solidFill>
+            <a:schemeClr val="accent2"/>
+          </a:solidFill>
+          <a:ln>
+            <a:noFill/>
+          </a:ln>
+        </p:spPr>
+        <p:style>
+          <a:lnRef idx="2">
+            <a:schemeClr val="accent1">
+              <a:shade val="50000"/>
+            </a:schemeClr>
+          </a:lnRef>
+          <a:fillRef idx="1">
+            <a:schemeClr val="accent1"/>
+          </a:fillRef>
+          <a:effectRef idx="0">
+            <a:schemeClr val="accent1"/>
+          </a:effectRef>
+          <a:fontRef idx="minor">
+            <a:schemeClr val="lt1"/>
+          </a:fontRef>
+        </p:style>
+        <p:txBody>
+          <a:bodyPr/>
+          <a:lstStyle/>
+          <a:p>
+            <a:endParaRPr lang="pt-PT"/>
+          </a:p>
+        </p:txBody>
+      </p:sp>
+    </p:spTree>
+    <p:extLst>
+      <p:ext uri="{BB962C8B-B14F-4D97-AF65-F5344CB8AC3E}">
+        <p14:creationId xmlns:p14="http://schemas.microsoft.com/office/powerpoint/2010/main" val="3689482851"/>
+      </p:ext>
+    </p:extLst>
+  </p:cSld>
+  <p:clrMapOvr>
+    <a:masterClrMapping/>
+  </p:clrMapOvr>
+</p:sld>
+</file>
+
+<file path=ppt/slides/slide11.xml><?xml version="1.0" encoding="utf-8"?>
+<p:sld xmlns:a="http://schemas.openxmlformats.org/drawingml/2006/main" xmlns:r="http://schemas.openxmlformats.org/officeDocument/2006/relationships" xmlns:p="http://schemas.openxmlformats.org/presentationml/2006/main">
+  <p:cSld>
+    <p:spTree>
+      <p:nvGrpSpPr>
+        <p:cNvPr id="1" name=""/>
+        <p:cNvGrpSpPr/>
+        <p:nvPr/>
+      </p:nvGrpSpPr>
+      <p:grpSpPr>
+        <a:xfrm>
+          <a:off x="0" y="0"/>
+          <a:ext cx="0" cy="0"/>
+          <a:chOff x="0" y="0"/>
+          <a:chExt cx="0" cy="0"/>
+        </a:xfrm>
+      </p:grpSpPr>
+      <p:sp>
+        <p:nvSpPr>
+          <p:cNvPr id="2" name="Título 1">
+            <a:extLst>
+              <a:ext uri="{FF2B5EF4-FFF2-40B4-BE49-F238E27FC236}">
+                <a16:creationId xmlns:a16="http://schemas.microsoft.com/office/drawing/2014/main" id="{92FE94D8-A357-9287-9222-4571F40871BF}"/>
+              </a:ext>
+            </a:extLst>
+          </p:cNvPr>
+          <p:cNvSpPr>
+            <a:spLocks noGrp="1"/>
+          </p:cNvSpPr>
+          <p:nvPr>
+            <p:ph type="title"/>
+          </p:nvPr>
+        </p:nvSpPr>
+        <p:spPr/>
+        <p:txBody>
+          <a:bodyPr/>
+          <a:lstStyle/>
+          <a:p>
+            <a:r>
+              <a:rPr lang="pt-PT" dirty="0"/>
+              <a:t>Distribuição de percentagens</a:t>
+            </a:r>
+          </a:p>
+        </p:txBody>
+      </p:sp>
+      <p:sp>
+        <p:nvSpPr>
+          <p:cNvPr id="3" name="Marcador de Posição de Conteúdo 2">
+            <a:extLst>
+              <a:ext uri="{FF2B5EF4-FFF2-40B4-BE49-F238E27FC236}">
+                <a16:creationId xmlns:a16="http://schemas.microsoft.com/office/drawing/2014/main" id="{33311A4C-5DDB-B9B2-0AA0-F069CFAF4032}"/>
+              </a:ext>
+            </a:extLst>
+          </p:cNvPr>
+          <p:cNvSpPr>
+            <a:spLocks noGrp="1"/>
+          </p:cNvSpPr>
+          <p:nvPr>
+            <p:ph idx="1"/>
+          </p:nvPr>
+        </p:nvSpPr>
+        <p:spPr>
+          <a:xfrm>
+            <a:off x="1097280" y="2147486"/>
+            <a:ext cx="10058400" cy="4023360"/>
+          </a:xfrm>
+        </p:spPr>
+        <p:txBody>
+          <a:bodyPr>
+            <a:normAutofit/>
+          </a:bodyPr>
+          <a:lstStyle/>
+          <a:p>
+            <a:pPr algn="ctr"/>
+            <a:r>
+              <a:rPr lang="pt-PT" sz="2800" dirty="0"/>
+              <a:t>Decidimos distribuir igual percentagem para cada um dos elementos, ou seja, 33% para cada um.</a:t>
+            </a:r>
+          </a:p>
+        </p:txBody>
+      </p:sp>
+    </p:spTree>
+    <p:extLst>
+      <p:ext uri="{BB962C8B-B14F-4D97-AF65-F5344CB8AC3E}">
+        <p14:creationId xmlns:p14="http://schemas.microsoft.com/office/powerpoint/2010/main" val="1175693220"/>
+      </p:ext>
+    </p:extLst>
+  </p:cSld>
+  <p:clrMapOvr>
+    <a:masterClrMapping/>
+  </p:clrMapOvr>
+</p:sld>
+</file>
+
 <file path=ppt/slides/slide2.xml><?xml version="1.0" encoding="utf-8"?>
 <p:sld xmlns:a="http://schemas.openxmlformats.org/drawingml/2006/main" xmlns:r="http://schemas.openxmlformats.org/officeDocument/2006/relationships" xmlns:p="http://schemas.openxmlformats.org/presentationml/2006/main">
   <p:cSld>
@@ -4819,6 +5452,14 @@
 <file path=ppt/slides/slide4.xml><?xml version="1.0" encoding="utf-8"?>
 <p:sld xmlns:a="http://schemas.openxmlformats.org/drawingml/2006/main" xmlns:r="http://schemas.openxmlformats.org/officeDocument/2006/relationships" xmlns:p="http://schemas.openxmlformats.org/presentationml/2006/main">
   <p:cSld>
+    <p:bg>
+      <p:bgPr>
+        <a:solidFill>
+          <a:schemeClr val="bg1"/>
+        </a:solidFill>
+        <a:effectLst/>
+      </p:bgPr>
+    </p:bg>
     <p:spTree>
       <p:nvGrpSpPr>
         <p:cNvPr id="1" name=""/>
@@ -4833,6 +5474,66 @@
           <a:chExt cx="0" cy="0"/>
         </a:xfrm>
       </p:grpSpPr>
+      <p:sp useBgFill="1">
+        <p:nvSpPr>
+          <p:cNvPr id="11" name="Rectangle 10">
+            <a:extLst>
+              <a:ext uri="{FF2B5EF4-FFF2-40B4-BE49-F238E27FC236}">
+                <a16:creationId xmlns:a16="http://schemas.microsoft.com/office/drawing/2014/main" id="{3DE3B93A-6105-4E0D-ABE7-1711117A80FC}"/>
+              </a:ext>
+              <a:ext uri="{C183D7F6-B498-43B3-948B-1728B52AA6E4}">
+                <adec:decorative xmlns:adec="http://schemas.microsoft.com/office/drawing/2017/decorative" val="1"/>
+              </a:ext>
+            </a:extLst>
+          </p:cNvPr>
+          <p:cNvSpPr>
+            <a:spLocks noGrp="1" noRot="1" noChangeAspect="1" noMove="1" noResize="1" noEditPoints="1" noAdjustHandles="1" noChangeArrowheads="1" noChangeShapeType="1" noTextEdit="1"/>
+          </p:cNvSpPr>
+          <p:nvPr>
+            <p:extLst>
+              <p:ext uri="{386F3935-93C4-4BCD-93E2-E3B085C9AB24}">
+                <p16:designElem xmlns:p16="http://schemas.microsoft.com/office/powerpoint/2015/main" val="1"/>
+              </p:ext>
+            </p:extLst>
+          </p:nvPr>
+        </p:nvSpPr>
+        <p:spPr>
+          <a:xfrm>
+            <a:off x="0" y="0"/>
+            <a:ext cx="12192001" cy="6334316"/>
+          </a:xfrm>
+          <a:prstGeom prst="rect">
+            <a:avLst/>
+          </a:prstGeom>
+          <a:ln>
+            <a:noFill/>
+          </a:ln>
+        </p:spPr>
+        <p:style>
+          <a:lnRef idx="2">
+            <a:schemeClr val="accent1">
+              <a:shade val="50000"/>
+            </a:schemeClr>
+          </a:lnRef>
+          <a:fillRef idx="1">
+            <a:schemeClr val="accent1"/>
+          </a:fillRef>
+          <a:effectRef idx="0">
+            <a:schemeClr val="accent1"/>
+          </a:effectRef>
+          <a:fontRef idx="minor">
+            <a:schemeClr val="lt1"/>
+          </a:fontRef>
+        </p:style>
+        <p:txBody>
+          <a:bodyPr rtlCol="0" anchor="ctr"/>
+          <a:lstStyle/>
+          <a:p>
+            <a:pPr algn="ctr"/>
+            <a:endParaRPr lang="en-US"/>
+          </a:p>
+        </p:txBody>
+      </p:sp>
       <p:sp>
         <p:nvSpPr>
           <p:cNvPr id="2" name="Título 1">
@@ -4849,24 +5550,43 @@
             <p:ph type="title"/>
           </p:nvPr>
         </p:nvSpPr>
-        <p:spPr/>
-        <p:txBody>
-          <a:bodyPr/>
-          <a:lstStyle/>
-          <a:p>
-            <a:r>
-              <a:rPr lang="pt-PT" dirty="0"/>
-              <a:t>Funcionalidades Implementadas</a:t>
-            </a:r>
-          </a:p>
-        </p:txBody>
-      </p:sp>
-      <p:sp>
-        <p:nvSpPr>
-          <p:cNvPr id="3" name="Marcador de Posição de Conteúdo 2">
+        <p:spPr>
+          <a:xfrm>
+            <a:off x="642256" y="642257"/>
+            <a:ext cx="3417677" cy="5226837"/>
+          </a:xfrm>
+        </p:spPr>
+        <p:txBody>
+          <a:bodyPr anchor="t">
+            <a:normAutofit/>
+          </a:bodyPr>
+          <a:lstStyle/>
+          <a:p>
+            <a:r>
+              <a:rPr lang="pt-PT" sz="3700" dirty="0"/>
+              <a:t>Funcionalidades Implementadas:</a:t>
+            </a:r>
+            <a:br>
+              <a:rPr lang="pt-PT" sz="3700" dirty="0"/>
+            </a:br>
+            <a:r>
+              <a:rPr lang="pt-PT" sz="3700" dirty="0"/>
+              <a:t>Max </a:t>
+            </a:r>
+            <a:r>
+              <a:rPr lang="pt-PT" sz="3700" dirty="0" err="1"/>
+              <a:t>Flow</a:t>
+            </a:r>
+            <a:endParaRPr lang="pt-PT" sz="3700" dirty="0"/>
+          </a:p>
+        </p:txBody>
+      </p:sp>
+      <p:sp>
+        <p:nvSpPr>
+          <p:cNvPr id="8" name="Content Placeholder 7">
             <a:extLst>
               <a:ext uri="{FF2B5EF4-FFF2-40B4-BE49-F238E27FC236}">
-                <a16:creationId xmlns:a16="http://schemas.microsoft.com/office/drawing/2014/main" id="{1816ECA9-B844-E502-24B5-7880008CE89A}"/>
+                <a16:creationId xmlns:a16="http://schemas.microsoft.com/office/drawing/2014/main" id="{466960DF-21DC-C6B6-66F1-81FF31A69D62}"/>
               </a:ext>
             </a:extLst>
           </p:cNvPr>
@@ -4877,7 +5597,225 @@
             <p:ph idx="1"/>
           </p:nvPr>
         </p:nvSpPr>
-        <p:spPr/>
+        <p:spPr>
+          <a:xfrm>
+            <a:off x="4713512" y="642258"/>
+            <a:ext cx="6847117" cy="3091682"/>
+          </a:xfrm>
+        </p:spPr>
+        <p:txBody>
+          <a:bodyPr>
+            <a:normAutofit/>
+          </a:bodyPr>
+          <a:lstStyle/>
+          <a:p>
+            <a:r>
+              <a:rPr lang="en-US" dirty="0" err="1"/>
+              <a:t>Funções</a:t>
+            </a:r>
+            <a:r>
+              <a:rPr lang="en-US" dirty="0"/>
+              <a:t> </a:t>
+            </a:r>
+            <a:r>
+              <a:rPr lang="en-US" dirty="0" err="1"/>
+              <a:t>relevantes</a:t>
+            </a:r>
+            <a:r>
+              <a:rPr lang="en-US" dirty="0"/>
+              <a:t>:</a:t>
+            </a:r>
+          </a:p>
+          <a:p>
+            <a:pPr>
+              <a:buFont typeface="Arial" panose="020B0604020202020204" pitchFamily="34" charset="0"/>
+              <a:buChar char="•"/>
+            </a:pPr>
+            <a:r>
+              <a:rPr lang="en-US" dirty="0"/>
+              <a:t>double </a:t>
+            </a:r>
+            <a:r>
+              <a:rPr lang="en-US" dirty="0" err="1"/>
+              <a:t>vertexMaxFlow</a:t>
+            </a:r>
+            <a:r>
+              <a:rPr lang="en-US" dirty="0"/>
+              <a:t>(graph *g, std::string target);</a:t>
+            </a:r>
+          </a:p>
+          <a:p>
+            <a:pPr>
+              <a:buFont typeface="Arial" panose="020B0604020202020204" pitchFamily="34" charset="0"/>
+              <a:buChar char="•"/>
+            </a:pPr>
+            <a:r>
+              <a:rPr lang="en-US" dirty="0"/>
+              <a:t>void graph::</a:t>
+            </a:r>
+            <a:r>
+              <a:rPr lang="en-US" dirty="0" err="1"/>
+              <a:t>edmondskarp</a:t>
+            </a:r>
+            <a:r>
+              <a:rPr lang="en-US" dirty="0"/>
+              <a:t>(graph *g).</a:t>
+            </a:r>
+          </a:p>
+          <a:p>
+            <a:pPr marL="0" indent="0">
+              <a:buNone/>
+            </a:pPr>
+            <a:endParaRPr lang="en-US" dirty="0"/>
+          </a:p>
+        </p:txBody>
+      </p:sp>
+      <p:pic>
+        <p:nvPicPr>
+          <p:cNvPr id="4" name="Marcador de Posição de Conteúdo 3">
+            <a:extLst>
+              <a:ext uri="{FF2B5EF4-FFF2-40B4-BE49-F238E27FC236}">
+                <a16:creationId xmlns:a16="http://schemas.microsoft.com/office/drawing/2014/main" id="{21D0E01A-87EC-AEA9-7B01-2C12F79A0D0A}"/>
+              </a:ext>
+            </a:extLst>
+          </p:cNvPr>
+          <p:cNvPicPr>
+            <a:picLocks noChangeAspect="1"/>
+          </p:cNvPicPr>
+          <p:nvPr/>
+        </p:nvPicPr>
+        <p:blipFill>
+          <a:blip r:embed="rId2"/>
+          <a:stretch>
+            <a:fillRect/>
+          </a:stretch>
+        </p:blipFill>
+        <p:spPr>
+          <a:xfrm>
+            <a:off x="4713512" y="4362355"/>
+            <a:ext cx="6847117" cy="1146891"/>
+          </a:xfrm>
+          <a:prstGeom prst="rect">
+            <a:avLst/>
+          </a:prstGeom>
+        </p:spPr>
+      </p:pic>
+      <p:sp>
+        <p:nvSpPr>
+          <p:cNvPr id="13" name="Rectangle 12">
+            <a:extLst>
+              <a:ext uri="{FF2B5EF4-FFF2-40B4-BE49-F238E27FC236}">
+                <a16:creationId xmlns:a16="http://schemas.microsoft.com/office/drawing/2014/main" id="{1924D57B-FEC9-4779-B514-732685B876E8}"/>
+              </a:ext>
+              <a:ext uri="{C183D7F6-B498-43B3-948B-1728B52AA6E4}">
+                <adec:decorative xmlns:adec="http://schemas.microsoft.com/office/drawing/2017/decorative" val="1"/>
+              </a:ext>
+            </a:extLst>
+          </p:cNvPr>
+          <p:cNvSpPr>
+            <a:spLocks noGrp="1" noRot="1" noChangeAspect="1" noMove="1" noResize="1" noEditPoints="1" noAdjustHandles="1" noChangeArrowheads="1" noChangeShapeType="1" noTextEdit="1"/>
+          </p:cNvSpPr>
+          <p:nvPr>
+            <p:extLst>
+              <p:ext uri="{386F3935-93C4-4BCD-93E2-E3B085C9AB24}">
+                <p16:designElem xmlns:p16="http://schemas.microsoft.com/office/powerpoint/2015/main" val="1"/>
+              </p:ext>
+            </p:extLst>
+          </p:nvPr>
+        </p:nvSpPr>
+        <p:spPr>
+          <a:xfrm>
+            <a:off x="15" y="6334316"/>
+            <a:ext cx="12191985" cy="66484"/>
+          </a:xfrm>
+          <a:prstGeom prst="rect">
+            <a:avLst/>
+          </a:prstGeom>
+          <a:solidFill>
+            <a:schemeClr val="accent1"/>
+          </a:solidFill>
+          <a:ln>
+            <a:noFill/>
+          </a:ln>
+        </p:spPr>
+        <p:style>
+          <a:lnRef idx="2">
+            <a:schemeClr val="accent1">
+              <a:shade val="50000"/>
+            </a:schemeClr>
+          </a:lnRef>
+          <a:fillRef idx="1">
+            <a:schemeClr val="accent1"/>
+          </a:fillRef>
+          <a:effectRef idx="0">
+            <a:schemeClr val="accent1"/>
+          </a:effectRef>
+          <a:fontRef idx="minor">
+            <a:schemeClr val="lt1"/>
+          </a:fontRef>
+        </p:style>
+        <p:txBody>
+          <a:bodyPr/>
+          <a:lstStyle/>
+          <a:p>
+            <a:endParaRPr lang="pt-PT"/>
+          </a:p>
+        </p:txBody>
+      </p:sp>
+      <p:sp>
+        <p:nvSpPr>
+          <p:cNvPr id="15" name="Rectangle 14">
+            <a:extLst>
+              <a:ext uri="{FF2B5EF4-FFF2-40B4-BE49-F238E27FC236}">
+                <a16:creationId xmlns:a16="http://schemas.microsoft.com/office/drawing/2014/main" id="{55EFD2BD-6E0E-4450-A3FF-5D1EA322A38B}"/>
+              </a:ext>
+              <a:ext uri="{C183D7F6-B498-43B3-948B-1728B52AA6E4}">
+                <adec:decorative xmlns:adec="http://schemas.microsoft.com/office/drawing/2017/decorative" val="1"/>
+              </a:ext>
+            </a:extLst>
+          </p:cNvPr>
+          <p:cNvSpPr>
+            <a:spLocks noGrp="1" noRot="1" noChangeAspect="1" noMove="1" noResize="1" noEditPoints="1" noAdjustHandles="1" noChangeArrowheads="1" noChangeShapeType="1" noTextEdit="1"/>
+          </p:cNvSpPr>
+          <p:nvPr>
+            <p:extLst>
+              <p:ext uri="{386F3935-93C4-4BCD-93E2-E3B085C9AB24}">
+                <p16:designElem xmlns:p16="http://schemas.microsoft.com/office/powerpoint/2015/main" val="1"/>
+              </p:ext>
+            </p:extLst>
+          </p:nvPr>
+        </p:nvSpPr>
+        <p:spPr>
+          <a:xfrm>
+            <a:off x="1" y="6400800"/>
+            <a:ext cx="12192000" cy="457200"/>
+          </a:xfrm>
+          <a:prstGeom prst="rect">
+            <a:avLst/>
+          </a:prstGeom>
+          <a:solidFill>
+            <a:schemeClr val="accent2"/>
+          </a:solidFill>
+          <a:ln>
+            <a:noFill/>
+          </a:ln>
+        </p:spPr>
+        <p:style>
+          <a:lnRef idx="2">
+            <a:schemeClr val="accent1">
+              <a:shade val="50000"/>
+            </a:schemeClr>
+          </a:lnRef>
+          <a:fillRef idx="1">
+            <a:schemeClr val="accent1"/>
+          </a:fillRef>
+          <a:effectRef idx="0">
+            <a:schemeClr val="accent1"/>
+          </a:effectRef>
+          <a:fontRef idx="minor">
+            <a:schemeClr val="lt1"/>
+          </a:fontRef>
+        </p:style>
         <p:txBody>
           <a:bodyPr/>
           <a:lstStyle/>
@@ -4902,6 +5840,14 @@
 <file path=ppt/slides/slide5.xml><?xml version="1.0" encoding="utf-8"?>
 <p:sld xmlns:a="http://schemas.openxmlformats.org/drawingml/2006/main" xmlns:r="http://schemas.openxmlformats.org/officeDocument/2006/relationships" xmlns:p="http://schemas.openxmlformats.org/presentationml/2006/main">
   <p:cSld>
+    <p:bg>
+      <p:bgPr>
+        <a:solidFill>
+          <a:schemeClr val="bg1"/>
+        </a:solidFill>
+        <a:effectLst/>
+      </p:bgPr>
+    </p:bg>
     <p:spTree>
       <p:nvGrpSpPr>
         <p:cNvPr id="1" name=""/>
@@ -4916,12 +5862,72 @@
           <a:chExt cx="0" cy="0"/>
         </a:xfrm>
       </p:grpSpPr>
+      <p:sp useBgFill="1">
+        <p:nvSpPr>
+          <p:cNvPr id="11" name="Rectangle 10">
+            <a:extLst>
+              <a:ext uri="{FF2B5EF4-FFF2-40B4-BE49-F238E27FC236}">
+                <a16:creationId xmlns:a16="http://schemas.microsoft.com/office/drawing/2014/main" id="{3DE3B93A-6105-4E0D-ABE7-1711117A80FC}"/>
+              </a:ext>
+              <a:ext uri="{C183D7F6-B498-43B3-948B-1728B52AA6E4}">
+                <adec:decorative xmlns:adec="http://schemas.microsoft.com/office/drawing/2017/decorative" val="1"/>
+              </a:ext>
+            </a:extLst>
+          </p:cNvPr>
+          <p:cNvSpPr>
+            <a:spLocks noGrp="1" noRot="1" noChangeAspect="1" noMove="1" noResize="1" noEditPoints="1" noAdjustHandles="1" noChangeArrowheads="1" noChangeShapeType="1" noTextEdit="1"/>
+          </p:cNvSpPr>
+          <p:nvPr>
+            <p:extLst>
+              <p:ext uri="{386F3935-93C4-4BCD-93E2-E3B085C9AB24}">
+                <p16:designElem xmlns:p16="http://schemas.microsoft.com/office/powerpoint/2015/main" val="1"/>
+              </p:ext>
+            </p:extLst>
+          </p:nvPr>
+        </p:nvSpPr>
+        <p:spPr>
+          <a:xfrm>
+            <a:off x="0" y="0"/>
+            <a:ext cx="12192001" cy="6334316"/>
+          </a:xfrm>
+          <a:prstGeom prst="rect">
+            <a:avLst/>
+          </a:prstGeom>
+          <a:ln>
+            <a:noFill/>
+          </a:ln>
+        </p:spPr>
+        <p:style>
+          <a:lnRef idx="2">
+            <a:schemeClr val="accent1">
+              <a:shade val="50000"/>
+            </a:schemeClr>
+          </a:lnRef>
+          <a:fillRef idx="1">
+            <a:schemeClr val="accent1"/>
+          </a:fillRef>
+          <a:effectRef idx="0">
+            <a:schemeClr val="accent1"/>
+          </a:effectRef>
+          <a:fontRef idx="minor">
+            <a:schemeClr val="lt1"/>
+          </a:fontRef>
+        </p:style>
+        <p:txBody>
+          <a:bodyPr rtlCol="0" anchor="ctr"/>
+          <a:lstStyle/>
+          <a:p>
+            <a:pPr algn="ctr"/>
+            <a:endParaRPr lang="en-US"/>
+          </a:p>
+        </p:txBody>
+      </p:sp>
       <p:sp>
         <p:nvSpPr>
           <p:cNvPr id="2" name="Título 1">
             <a:extLst>
               <a:ext uri="{FF2B5EF4-FFF2-40B4-BE49-F238E27FC236}">
-                <a16:creationId xmlns:a16="http://schemas.microsoft.com/office/drawing/2014/main" id="{7902E449-4864-C61E-DAE3-AB274BDCEC23}"/>
+                <a16:creationId xmlns:a16="http://schemas.microsoft.com/office/drawing/2014/main" id="{19B23BA7-ED7F-2BB0-D432-2D77A8DC1C4F}"/>
               </a:ext>
             </a:extLst>
           </p:cNvPr>
@@ -4932,24 +5938,63 @@
             <p:ph type="title"/>
           </p:nvPr>
         </p:nvSpPr>
-        <p:spPr/>
-        <p:txBody>
-          <a:bodyPr/>
-          <a:lstStyle/>
-          <a:p>
-            <a:r>
-              <a:rPr lang="pt-PT" dirty="0"/>
-              <a:t>Principais Dificuldades</a:t>
-            </a:r>
-          </a:p>
-        </p:txBody>
-      </p:sp>
-      <p:sp>
-        <p:nvSpPr>
-          <p:cNvPr id="3" name="Marcador de Posição de Conteúdo 2">
+        <p:spPr>
+          <a:xfrm>
+            <a:off x="642256" y="642257"/>
+            <a:ext cx="3417677" cy="5226837"/>
+          </a:xfrm>
+        </p:spPr>
+        <p:txBody>
+          <a:bodyPr anchor="t">
+            <a:normAutofit/>
+          </a:bodyPr>
+          <a:lstStyle/>
+          <a:p>
+            <a:r>
+              <a:rPr lang="pt-PT" sz="3700" dirty="0"/>
+              <a:t>Funções Implementadas:</a:t>
+            </a:r>
+            <a:br>
+              <a:rPr lang="pt-PT" sz="3700" dirty="0"/>
+            </a:br>
+            <a:r>
+              <a:rPr lang="pt-PT" sz="3700" dirty="0" err="1"/>
+              <a:t>Water</a:t>
+            </a:r>
+            <a:r>
+              <a:rPr lang="pt-PT" sz="3700" dirty="0"/>
+              <a:t> </a:t>
+            </a:r>
+            <a:r>
+              <a:rPr lang="pt-PT" sz="3700" dirty="0" err="1"/>
+              <a:t>Demands</a:t>
+            </a:r>
+            <a:r>
+              <a:rPr lang="pt-PT" sz="3700" dirty="0"/>
+              <a:t> vs. </a:t>
+            </a:r>
+            <a:r>
+              <a:rPr lang="pt-PT" sz="3700" dirty="0" err="1"/>
+              <a:t>Actual</a:t>
+            </a:r>
+            <a:r>
+              <a:rPr lang="pt-PT" sz="3700" dirty="0"/>
+              <a:t> </a:t>
+            </a:r>
+            <a:r>
+              <a:rPr lang="pt-PT" sz="3700" dirty="0" err="1"/>
+              <a:t>Flow</a:t>
+            </a:r>
+            <a:endParaRPr lang="pt-PT" sz="3700" dirty="0"/>
+          </a:p>
+        </p:txBody>
+      </p:sp>
+      <p:sp>
+        <p:nvSpPr>
+          <p:cNvPr id="8" name="Content Placeholder 7">
             <a:extLst>
               <a:ext uri="{FF2B5EF4-FFF2-40B4-BE49-F238E27FC236}">
-                <a16:creationId xmlns:a16="http://schemas.microsoft.com/office/drawing/2014/main" id="{4D3C2E67-C493-3FF0-AE09-8A4B3470EF91}"/>
+                <a16:creationId xmlns:a16="http://schemas.microsoft.com/office/drawing/2014/main" id="{ABE34648-AFB8-17C3-B2FE-305D8DD0778B}"/>
               </a:ext>
             </a:extLst>
           </p:cNvPr>
@@ -4960,19 +6005,245 @@
             <p:ph idx="1"/>
           </p:nvPr>
         </p:nvSpPr>
-        <p:spPr/>
+        <p:spPr>
+          <a:xfrm>
+            <a:off x="4713512" y="642258"/>
+            <a:ext cx="6847117" cy="3091682"/>
+          </a:xfrm>
+        </p:spPr>
+        <p:txBody>
+          <a:bodyPr>
+            <a:normAutofit/>
+          </a:bodyPr>
+          <a:lstStyle/>
+          <a:p>
+            <a:r>
+              <a:rPr lang="en-US" dirty="0" err="1"/>
+              <a:t>Funções</a:t>
+            </a:r>
+            <a:r>
+              <a:rPr lang="en-US" dirty="0"/>
+              <a:t> </a:t>
+            </a:r>
+            <a:r>
+              <a:rPr lang="en-US" dirty="0" err="1"/>
+              <a:t>relevantes</a:t>
+            </a:r>
+            <a:r>
+              <a:rPr lang="en-US" dirty="0"/>
+              <a:t>:</a:t>
+            </a:r>
+          </a:p>
+          <a:p>
+            <a:pPr>
+              <a:buFont typeface="Arial" panose="020B0604020202020204" pitchFamily="34" charset="0"/>
+              <a:buChar char="•"/>
+            </a:pPr>
+            <a:r>
+              <a:rPr lang="en-US" dirty="0"/>
+              <a:t>void </a:t>
+            </a:r>
+            <a:r>
+              <a:rPr lang="en-US" dirty="0" err="1"/>
+              <a:t>metricsAnalysis</a:t>
+            </a:r>
+            <a:r>
+              <a:rPr lang="en-US" dirty="0"/>
+              <a:t>(graph* g);</a:t>
+            </a:r>
+          </a:p>
+          <a:p>
+            <a:pPr>
+              <a:buFont typeface="Arial" panose="020B0604020202020204" pitchFamily="34" charset="0"/>
+              <a:buChar char="•"/>
+            </a:pPr>
+            <a:r>
+              <a:rPr lang="en-US" dirty="0"/>
+              <a:t>void graph::</a:t>
+            </a:r>
+            <a:r>
+              <a:rPr lang="en-US" dirty="0" err="1"/>
+              <a:t>edmondskarp</a:t>
+            </a:r>
+            <a:r>
+              <a:rPr lang="en-US" dirty="0"/>
+              <a:t>(graph *g).</a:t>
+            </a:r>
+          </a:p>
+          <a:p>
+            <a:pPr>
+              <a:buFont typeface="Arial" panose="020B0604020202020204" pitchFamily="34" charset="0"/>
+              <a:buChar char="•"/>
+            </a:pPr>
+            <a:endParaRPr lang="en-US" dirty="0"/>
+          </a:p>
+          <a:p>
+            <a:pPr>
+              <a:buFont typeface="Arial" panose="020B0604020202020204" pitchFamily="34" charset="0"/>
+              <a:buChar char="•"/>
+            </a:pPr>
+            <a:endParaRPr lang="en-US" dirty="0"/>
+          </a:p>
+        </p:txBody>
+      </p:sp>
+      <p:pic>
+        <p:nvPicPr>
+          <p:cNvPr id="4" name="Marcador de Posição de Conteúdo 3">
+            <a:extLst>
+              <a:ext uri="{FF2B5EF4-FFF2-40B4-BE49-F238E27FC236}">
+                <a16:creationId xmlns:a16="http://schemas.microsoft.com/office/drawing/2014/main" id="{97AE41F7-C7EC-5FE4-A1B7-5D206D2CBD96}"/>
+              </a:ext>
+            </a:extLst>
+          </p:cNvPr>
+          <p:cNvPicPr>
+            <a:picLocks noChangeAspect="1"/>
+          </p:cNvPicPr>
+          <p:nvPr/>
+        </p:nvPicPr>
+        <p:blipFill>
+          <a:blip r:embed="rId2"/>
+          <a:stretch>
+            <a:fillRect/>
+          </a:stretch>
+        </p:blipFill>
+        <p:spPr>
+          <a:xfrm>
+            <a:off x="4713512" y="4447944"/>
+            <a:ext cx="6847117" cy="975713"/>
+          </a:xfrm>
+          <a:prstGeom prst="rect">
+            <a:avLst/>
+          </a:prstGeom>
+        </p:spPr>
+      </p:pic>
+      <p:sp>
+        <p:nvSpPr>
+          <p:cNvPr id="13" name="Rectangle 12">
+            <a:extLst>
+              <a:ext uri="{FF2B5EF4-FFF2-40B4-BE49-F238E27FC236}">
+                <a16:creationId xmlns:a16="http://schemas.microsoft.com/office/drawing/2014/main" id="{1924D57B-FEC9-4779-B514-732685B876E8}"/>
+              </a:ext>
+              <a:ext uri="{C183D7F6-B498-43B3-948B-1728B52AA6E4}">
+                <adec:decorative xmlns:adec="http://schemas.microsoft.com/office/drawing/2017/decorative" val="1"/>
+              </a:ext>
+            </a:extLst>
+          </p:cNvPr>
+          <p:cNvSpPr>
+            <a:spLocks noGrp="1" noRot="1" noChangeAspect="1" noMove="1" noResize="1" noEditPoints="1" noAdjustHandles="1" noChangeArrowheads="1" noChangeShapeType="1" noTextEdit="1"/>
+          </p:cNvSpPr>
+          <p:nvPr>
+            <p:extLst>
+              <p:ext uri="{386F3935-93C4-4BCD-93E2-E3B085C9AB24}">
+                <p16:designElem xmlns:p16="http://schemas.microsoft.com/office/powerpoint/2015/main" val="1"/>
+              </p:ext>
+            </p:extLst>
+          </p:nvPr>
+        </p:nvSpPr>
+        <p:spPr>
+          <a:xfrm>
+            <a:off x="15" y="6334316"/>
+            <a:ext cx="12191985" cy="66484"/>
+          </a:xfrm>
+          <a:prstGeom prst="rect">
+            <a:avLst/>
+          </a:prstGeom>
+          <a:solidFill>
+            <a:schemeClr val="accent1"/>
+          </a:solidFill>
+          <a:ln>
+            <a:noFill/>
+          </a:ln>
+        </p:spPr>
+        <p:style>
+          <a:lnRef idx="2">
+            <a:schemeClr val="accent1">
+              <a:shade val="50000"/>
+            </a:schemeClr>
+          </a:lnRef>
+          <a:fillRef idx="1">
+            <a:schemeClr val="accent1"/>
+          </a:fillRef>
+          <a:effectRef idx="0">
+            <a:schemeClr val="accent1"/>
+          </a:effectRef>
+          <a:fontRef idx="minor">
+            <a:schemeClr val="lt1"/>
+          </a:fontRef>
+        </p:style>
         <p:txBody>
           <a:bodyPr/>
           <a:lstStyle/>
           <a:p>
-            <a:endParaRPr lang="pt-PT" dirty="0"/>
+            <a:endParaRPr lang="pt-PT"/>
+          </a:p>
+        </p:txBody>
+      </p:sp>
+      <p:sp>
+        <p:nvSpPr>
+          <p:cNvPr id="15" name="Rectangle 14">
+            <a:extLst>
+              <a:ext uri="{FF2B5EF4-FFF2-40B4-BE49-F238E27FC236}">
+                <a16:creationId xmlns:a16="http://schemas.microsoft.com/office/drawing/2014/main" id="{55EFD2BD-6E0E-4450-A3FF-5D1EA322A38B}"/>
+              </a:ext>
+              <a:ext uri="{C183D7F6-B498-43B3-948B-1728B52AA6E4}">
+                <adec:decorative xmlns:adec="http://schemas.microsoft.com/office/drawing/2017/decorative" val="1"/>
+              </a:ext>
+            </a:extLst>
+          </p:cNvPr>
+          <p:cNvSpPr>
+            <a:spLocks noGrp="1" noRot="1" noChangeAspect="1" noMove="1" noResize="1" noEditPoints="1" noAdjustHandles="1" noChangeArrowheads="1" noChangeShapeType="1" noTextEdit="1"/>
+          </p:cNvSpPr>
+          <p:nvPr>
+            <p:extLst>
+              <p:ext uri="{386F3935-93C4-4BCD-93E2-E3B085C9AB24}">
+                <p16:designElem xmlns:p16="http://schemas.microsoft.com/office/powerpoint/2015/main" val="1"/>
+              </p:ext>
+            </p:extLst>
+          </p:nvPr>
+        </p:nvSpPr>
+        <p:spPr>
+          <a:xfrm>
+            <a:off x="1" y="6400800"/>
+            <a:ext cx="12192000" cy="457200"/>
+          </a:xfrm>
+          <a:prstGeom prst="rect">
+            <a:avLst/>
+          </a:prstGeom>
+          <a:solidFill>
+            <a:schemeClr val="accent2"/>
+          </a:solidFill>
+          <a:ln>
+            <a:noFill/>
+          </a:ln>
+        </p:spPr>
+        <p:style>
+          <a:lnRef idx="2">
+            <a:schemeClr val="accent1">
+              <a:shade val="50000"/>
+            </a:schemeClr>
+          </a:lnRef>
+          <a:fillRef idx="1">
+            <a:schemeClr val="accent1"/>
+          </a:fillRef>
+          <a:effectRef idx="0">
+            <a:schemeClr val="accent1"/>
+          </a:effectRef>
+          <a:fontRef idx="minor">
+            <a:schemeClr val="lt1"/>
+          </a:fontRef>
+        </p:style>
+        <p:txBody>
+          <a:bodyPr/>
+          <a:lstStyle/>
+          <a:p>
+            <a:endParaRPr lang="pt-PT"/>
           </a:p>
         </p:txBody>
       </p:sp>
     </p:spTree>
     <p:extLst>
       <p:ext uri="{BB962C8B-B14F-4D97-AF65-F5344CB8AC3E}">
-        <p14:creationId xmlns:p14="http://schemas.microsoft.com/office/powerpoint/2010/main" val="3689482851"/>
+        <p14:creationId xmlns:p14="http://schemas.microsoft.com/office/powerpoint/2010/main" val="3687767748"/>
       </p:ext>
     </p:extLst>
   </p:cSld>
@@ -4985,6 +6256,14 @@
 <file path=ppt/slides/slide6.xml><?xml version="1.0" encoding="utf-8"?>
 <p:sld xmlns:a="http://schemas.openxmlformats.org/drawingml/2006/main" xmlns:r="http://schemas.openxmlformats.org/officeDocument/2006/relationships" xmlns:p="http://schemas.openxmlformats.org/presentationml/2006/main">
   <p:cSld>
+    <p:bg>
+      <p:bgPr>
+        <a:solidFill>
+          <a:schemeClr val="bg1"/>
+        </a:solidFill>
+        <a:effectLst/>
+      </p:bgPr>
+    </p:bg>
     <p:spTree>
       <p:nvGrpSpPr>
         <p:cNvPr id="1" name=""/>
@@ -4999,12 +6278,72 @@
           <a:chExt cx="0" cy="0"/>
         </a:xfrm>
       </p:grpSpPr>
+      <p:sp useBgFill="1">
+        <p:nvSpPr>
+          <p:cNvPr id="11" name="Rectangle 10">
+            <a:extLst>
+              <a:ext uri="{FF2B5EF4-FFF2-40B4-BE49-F238E27FC236}">
+                <a16:creationId xmlns:a16="http://schemas.microsoft.com/office/drawing/2014/main" id="{3DE3B93A-6105-4E0D-ABE7-1711117A80FC}"/>
+              </a:ext>
+              <a:ext uri="{C183D7F6-B498-43B3-948B-1728B52AA6E4}">
+                <adec:decorative xmlns:adec="http://schemas.microsoft.com/office/drawing/2017/decorative" val="1"/>
+              </a:ext>
+            </a:extLst>
+          </p:cNvPr>
+          <p:cNvSpPr>
+            <a:spLocks noGrp="1" noRot="1" noChangeAspect="1" noMove="1" noResize="1" noEditPoints="1" noAdjustHandles="1" noChangeArrowheads="1" noChangeShapeType="1" noTextEdit="1"/>
+          </p:cNvSpPr>
+          <p:nvPr>
+            <p:extLst>
+              <p:ext uri="{386F3935-93C4-4BCD-93E2-E3B085C9AB24}">
+                <p16:designElem xmlns:p16="http://schemas.microsoft.com/office/powerpoint/2015/main" val="1"/>
+              </p:ext>
+            </p:extLst>
+          </p:nvPr>
+        </p:nvSpPr>
+        <p:spPr>
+          <a:xfrm>
+            <a:off x="0" y="0"/>
+            <a:ext cx="12192001" cy="6334316"/>
+          </a:xfrm>
+          <a:prstGeom prst="rect">
+            <a:avLst/>
+          </a:prstGeom>
+          <a:ln>
+            <a:noFill/>
+          </a:ln>
+        </p:spPr>
+        <p:style>
+          <a:lnRef idx="2">
+            <a:schemeClr val="accent1">
+              <a:shade val="50000"/>
+            </a:schemeClr>
+          </a:lnRef>
+          <a:fillRef idx="1">
+            <a:schemeClr val="accent1"/>
+          </a:fillRef>
+          <a:effectRef idx="0">
+            <a:schemeClr val="accent1"/>
+          </a:effectRef>
+          <a:fontRef idx="minor">
+            <a:schemeClr val="lt1"/>
+          </a:fontRef>
+        </p:style>
+        <p:txBody>
+          <a:bodyPr rtlCol="0" anchor="ctr"/>
+          <a:lstStyle/>
+          <a:p>
+            <a:pPr algn="ctr"/>
+            <a:endParaRPr lang="en-US"/>
+          </a:p>
+        </p:txBody>
+      </p:sp>
       <p:sp>
         <p:nvSpPr>
           <p:cNvPr id="2" name="Título 1">
             <a:extLst>
               <a:ext uri="{FF2B5EF4-FFF2-40B4-BE49-F238E27FC236}">
-                <a16:creationId xmlns:a16="http://schemas.microsoft.com/office/drawing/2014/main" id="{92FE94D8-A357-9287-9222-4571F40871BF}"/>
+                <a16:creationId xmlns:a16="http://schemas.microsoft.com/office/drawing/2014/main" id="{A33483C3-03CF-148C-A5F6-51C8CBFF3926}"/>
               </a:ext>
             </a:extLst>
           </p:cNvPr>
@@ -5015,24 +6354,43 @@
             <p:ph type="title"/>
           </p:nvPr>
         </p:nvSpPr>
-        <p:spPr/>
-        <p:txBody>
-          <a:bodyPr/>
-          <a:lstStyle/>
-          <a:p>
-            <a:r>
-              <a:rPr lang="pt-PT" dirty="0"/>
-              <a:t>Distribuição de percentagens</a:t>
-            </a:r>
-          </a:p>
-        </p:txBody>
-      </p:sp>
-      <p:sp>
-        <p:nvSpPr>
-          <p:cNvPr id="3" name="Marcador de Posição de Conteúdo 2">
+        <p:spPr>
+          <a:xfrm>
+            <a:off x="642256" y="642257"/>
+            <a:ext cx="3417677" cy="5226837"/>
+          </a:xfrm>
+        </p:spPr>
+        <p:txBody>
+          <a:bodyPr anchor="t">
+            <a:normAutofit/>
+          </a:bodyPr>
+          <a:lstStyle/>
+          <a:p>
+            <a:r>
+              <a:rPr lang="pt-PT" sz="3700" dirty="0"/>
+              <a:t>Funções Implementadas:</a:t>
+            </a:r>
+            <a:br>
+              <a:rPr lang="pt-PT" sz="3700" dirty="0"/>
+            </a:br>
+            <a:r>
+              <a:rPr lang="pt-PT" sz="3700" dirty="0"/>
+              <a:t>Remove a </a:t>
+            </a:r>
+            <a:r>
+              <a:rPr lang="pt-PT" sz="3700" dirty="0" err="1"/>
+              <a:t>Reservoir</a:t>
+            </a:r>
+            <a:endParaRPr lang="pt-PT" sz="3700" dirty="0"/>
+          </a:p>
+        </p:txBody>
+      </p:sp>
+      <p:sp>
+        <p:nvSpPr>
+          <p:cNvPr id="8" name="Content Placeholder 7">
             <a:extLst>
               <a:ext uri="{FF2B5EF4-FFF2-40B4-BE49-F238E27FC236}">
-                <a16:creationId xmlns:a16="http://schemas.microsoft.com/office/drawing/2014/main" id="{33311A4C-5DDB-B9B2-0AA0-F069CFAF4032}"/>
+                <a16:creationId xmlns:a16="http://schemas.microsoft.com/office/drawing/2014/main" id="{46389E9B-6700-DF04-1655-1DF20E4B6B86}"/>
               </a:ext>
             </a:extLst>
           </p:cNvPr>
@@ -5045,8 +6403,8 @@
         </p:nvSpPr>
         <p:spPr>
           <a:xfrm>
-            <a:off x="1097280" y="2147486"/>
-            <a:ext cx="10058400" cy="4023360"/>
+            <a:off x="4713512" y="642258"/>
+            <a:ext cx="6847117" cy="3091682"/>
           </a:xfrm>
         </p:spPr>
         <p:txBody>
@@ -5055,18 +6413,1490 @@
           </a:bodyPr>
           <a:lstStyle/>
           <a:p>
-            <a:pPr algn="ctr"/>
-            <a:r>
-              <a:rPr lang="pt-PT" sz="2800" dirty="0"/>
-              <a:t>Decidimos distribuir igual percentagem para cada um dos elementos, ou seja, 33% para cada um.</a:t>
-            </a:r>
+            <a:r>
+              <a:rPr lang="en-US" dirty="0" err="1"/>
+              <a:t>Funções</a:t>
+            </a:r>
+            <a:r>
+              <a:rPr lang="en-US" dirty="0"/>
+              <a:t> </a:t>
+            </a:r>
+            <a:r>
+              <a:rPr lang="en-US" dirty="0" err="1"/>
+              <a:t>relevantes</a:t>
+            </a:r>
+            <a:r>
+              <a:rPr lang="en-US" dirty="0"/>
+              <a:t>: </a:t>
+            </a:r>
+          </a:p>
+          <a:p>
+            <a:pPr>
+              <a:buFont typeface="Arial" panose="020B0604020202020204" pitchFamily="34" charset="0"/>
+              <a:buChar char="•"/>
+            </a:pPr>
+            <a:r>
+              <a:rPr lang="en-US" dirty="0"/>
+              <a:t>void </a:t>
+            </a:r>
+            <a:r>
+              <a:rPr lang="en-US" dirty="0" err="1"/>
+              <a:t>vertexRemovalFailures</a:t>
+            </a:r>
+            <a:r>
+              <a:rPr lang="en-US" dirty="0"/>
+              <a:t>(graph* g1, std::string </a:t>
+            </a:r>
+            <a:r>
+              <a:rPr lang="en-US" dirty="0" err="1"/>
+              <a:t>PScode</a:t>
+            </a:r>
+            <a:r>
+              <a:rPr lang="en-US" dirty="0"/>
+              <a:t>);</a:t>
+            </a:r>
+          </a:p>
+          <a:p>
+            <a:pPr>
+              <a:buFont typeface="Arial" panose="020B0604020202020204" pitchFamily="34" charset="0"/>
+              <a:buChar char="•"/>
+            </a:pPr>
+            <a:r>
+              <a:rPr lang="en-US" dirty="0"/>
+              <a:t>void graph::</a:t>
+            </a:r>
+            <a:r>
+              <a:rPr lang="en-US" dirty="0" err="1"/>
+              <a:t>edmondskarp</a:t>
+            </a:r>
+            <a:r>
+              <a:rPr lang="en-US" dirty="0"/>
+              <a:t>(graph *g).</a:t>
+            </a:r>
+            <a:endParaRPr lang="en-US" u="sng" dirty="0"/>
+          </a:p>
+          <a:p>
+            <a:pPr>
+              <a:buFont typeface="Arial" panose="020B0604020202020204" pitchFamily="34" charset="0"/>
+              <a:buChar char="•"/>
+            </a:pPr>
+            <a:endParaRPr lang="en-US" dirty="0"/>
+          </a:p>
+        </p:txBody>
+      </p:sp>
+      <p:pic>
+        <p:nvPicPr>
+          <p:cNvPr id="4" name="Marcador de Posição de Conteúdo 3">
+            <a:extLst>
+              <a:ext uri="{FF2B5EF4-FFF2-40B4-BE49-F238E27FC236}">
+                <a16:creationId xmlns:a16="http://schemas.microsoft.com/office/drawing/2014/main" id="{6778F3E5-7BB7-714D-DFFC-2056F4E40180}"/>
+              </a:ext>
+            </a:extLst>
+          </p:cNvPr>
+          <p:cNvPicPr>
+            <a:picLocks noChangeAspect="1"/>
+          </p:cNvPicPr>
+          <p:nvPr/>
+        </p:nvPicPr>
+        <p:blipFill>
+          <a:blip r:embed="rId2"/>
+          <a:stretch>
+            <a:fillRect/>
+          </a:stretch>
+        </p:blipFill>
+        <p:spPr>
+          <a:xfrm>
+            <a:off x="4713512" y="4105588"/>
+            <a:ext cx="6847117" cy="1660425"/>
+          </a:xfrm>
+          <a:prstGeom prst="rect">
+            <a:avLst/>
+          </a:prstGeom>
+        </p:spPr>
+      </p:pic>
+      <p:sp>
+        <p:nvSpPr>
+          <p:cNvPr id="13" name="Rectangle 12">
+            <a:extLst>
+              <a:ext uri="{FF2B5EF4-FFF2-40B4-BE49-F238E27FC236}">
+                <a16:creationId xmlns:a16="http://schemas.microsoft.com/office/drawing/2014/main" id="{1924D57B-FEC9-4779-B514-732685B876E8}"/>
+              </a:ext>
+              <a:ext uri="{C183D7F6-B498-43B3-948B-1728B52AA6E4}">
+                <adec:decorative xmlns:adec="http://schemas.microsoft.com/office/drawing/2017/decorative" val="1"/>
+              </a:ext>
+            </a:extLst>
+          </p:cNvPr>
+          <p:cNvSpPr>
+            <a:spLocks noGrp="1" noRot="1" noChangeAspect="1" noMove="1" noResize="1" noEditPoints="1" noAdjustHandles="1" noChangeArrowheads="1" noChangeShapeType="1" noTextEdit="1"/>
+          </p:cNvSpPr>
+          <p:nvPr>
+            <p:extLst>
+              <p:ext uri="{386F3935-93C4-4BCD-93E2-E3B085C9AB24}">
+                <p16:designElem xmlns:p16="http://schemas.microsoft.com/office/powerpoint/2015/main" val="1"/>
+              </p:ext>
+            </p:extLst>
+          </p:nvPr>
+        </p:nvSpPr>
+        <p:spPr>
+          <a:xfrm>
+            <a:off x="15" y="6334316"/>
+            <a:ext cx="12191985" cy="66484"/>
+          </a:xfrm>
+          <a:prstGeom prst="rect">
+            <a:avLst/>
+          </a:prstGeom>
+          <a:solidFill>
+            <a:schemeClr val="accent1"/>
+          </a:solidFill>
+          <a:ln>
+            <a:noFill/>
+          </a:ln>
+        </p:spPr>
+        <p:style>
+          <a:lnRef idx="2">
+            <a:schemeClr val="accent1">
+              <a:shade val="50000"/>
+            </a:schemeClr>
+          </a:lnRef>
+          <a:fillRef idx="1">
+            <a:schemeClr val="accent1"/>
+          </a:fillRef>
+          <a:effectRef idx="0">
+            <a:schemeClr val="accent1"/>
+          </a:effectRef>
+          <a:fontRef idx="minor">
+            <a:schemeClr val="lt1"/>
+          </a:fontRef>
+        </p:style>
+        <p:txBody>
+          <a:bodyPr/>
+          <a:lstStyle/>
+          <a:p>
+            <a:endParaRPr lang="pt-PT"/>
+          </a:p>
+        </p:txBody>
+      </p:sp>
+      <p:sp>
+        <p:nvSpPr>
+          <p:cNvPr id="15" name="Rectangle 14">
+            <a:extLst>
+              <a:ext uri="{FF2B5EF4-FFF2-40B4-BE49-F238E27FC236}">
+                <a16:creationId xmlns:a16="http://schemas.microsoft.com/office/drawing/2014/main" id="{55EFD2BD-6E0E-4450-A3FF-5D1EA322A38B}"/>
+              </a:ext>
+              <a:ext uri="{C183D7F6-B498-43B3-948B-1728B52AA6E4}">
+                <adec:decorative xmlns:adec="http://schemas.microsoft.com/office/drawing/2017/decorative" val="1"/>
+              </a:ext>
+            </a:extLst>
+          </p:cNvPr>
+          <p:cNvSpPr>
+            <a:spLocks noGrp="1" noRot="1" noChangeAspect="1" noMove="1" noResize="1" noEditPoints="1" noAdjustHandles="1" noChangeArrowheads="1" noChangeShapeType="1" noTextEdit="1"/>
+          </p:cNvSpPr>
+          <p:nvPr>
+            <p:extLst>
+              <p:ext uri="{386F3935-93C4-4BCD-93E2-E3B085C9AB24}">
+                <p16:designElem xmlns:p16="http://schemas.microsoft.com/office/powerpoint/2015/main" val="1"/>
+              </p:ext>
+            </p:extLst>
+          </p:nvPr>
+        </p:nvSpPr>
+        <p:spPr>
+          <a:xfrm>
+            <a:off x="1" y="6400800"/>
+            <a:ext cx="12192000" cy="457200"/>
+          </a:xfrm>
+          <a:prstGeom prst="rect">
+            <a:avLst/>
+          </a:prstGeom>
+          <a:solidFill>
+            <a:schemeClr val="accent2"/>
+          </a:solidFill>
+          <a:ln>
+            <a:noFill/>
+          </a:ln>
+        </p:spPr>
+        <p:style>
+          <a:lnRef idx="2">
+            <a:schemeClr val="accent1">
+              <a:shade val="50000"/>
+            </a:schemeClr>
+          </a:lnRef>
+          <a:fillRef idx="1">
+            <a:schemeClr val="accent1"/>
+          </a:fillRef>
+          <a:effectRef idx="0">
+            <a:schemeClr val="accent1"/>
+          </a:effectRef>
+          <a:fontRef idx="minor">
+            <a:schemeClr val="lt1"/>
+          </a:fontRef>
+        </p:style>
+        <p:txBody>
+          <a:bodyPr/>
+          <a:lstStyle/>
+          <a:p>
+            <a:endParaRPr lang="pt-PT"/>
           </a:p>
         </p:txBody>
       </p:sp>
     </p:spTree>
     <p:extLst>
       <p:ext uri="{BB962C8B-B14F-4D97-AF65-F5344CB8AC3E}">
-        <p14:creationId xmlns:p14="http://schemas.microsoft.com/office/powerpoint/2010/main" val="1175693220"/>
+        <p14:creationId xmlns:p14="http://schemas.microsoft.com/office/powerpoint/2010/main" val="4223106718"/>
+      </p:ext>
+    </p:extLst>
+  </p:cSld>
+  <p:clrMapOvr>
+    <a:masterClrMapping/>
+  </p:clrMapOvr>
+</p:sld>
+</file>
+
+<file path=ppt/slides/slide7.xml><?xml version="1.0" encoding="utf-8"?>
+<p:sld xmlns:a="http://schemas.openxmlformats.org/drawingml/2006/main" xmlns:r="http://schemas.openxmlformats.org/officeDocument/2006/relationships" xmlns:p="http://schemas.openxmlformats.org/presentationml/2006/main">
+  <p:cSld>
+    <p:bg>
+      <p:bgPr>
+        <a:solidFill>
+          <a:schemeClr val="bg1"/>
+        </a:solidFill>
+        <a:effectLst/>
+      </p:bgPr>
+    </p:bg>
+    <p:spTree>
+      <p:nvGrpSpPr>
+        <p:cNvPr id="1" name=""/>
+        <p:cNvGrpSpPr/>
+        <p:nvPr/>
+      </p:nvGrpSpPr>
+      <p:grpSpPr>
+        <a:xfrm>
+          <a:off x="0" y="0"/>
+          <a:ext cx="0" cy="0"/>
+          <a:chOff x="0" y="0"/>
+          <a:chExt cx="0" cy="0"/>
+        </a:xfrm>
+      </p:grpSpPr>
+      <p:sp useBgFill="1">
+        <p:nvSpPr>
+          <p:cNvPr id="11" name="Rectangle 10">
+            <a:extLst>
+              <a:ext uri="{FF2B5EF4-FFF2-40B4-BE49-F238E27FC236}">
+                <a16:creationId xmlns:a16="http://schemas.microsoft.com/office/drawing/2014/main" id="{3DE3B93A-6105-4E0D-ABE7-1711117A80FC}"/>
+              </a:ext>
+              <a:ext uri="{C183D7F6-B498-43B3-948B-1728B52AA6E4}">
+                <adec:decorative xmlns:adec="http://schemas.microsoft.com/office/drawing/2017/decorative" val="1"/>
+              </a:ext>
+            </a:extLst>
+          </p:cNvPr>
+          <p:cNvSpPr>
+            <a:spLocks noGrp="1" noRot="1" noChangeAspect="1" noMove="1" noResize="1" noEditPoints="1" noAdjustHandles="1" noChangeArrowheads="1" noChangeShapeType="1" noTextEdit="1"/>
+          </p:cNvSpPr>
+          <p:nvPr>
+            <p:extLst>
+              <p:ext uri="{386F3935-93C4-4BCD-93E2-E3B085C9AB24}">
+                <p16:designElem xmlns:p16="http://schemas.microsoft.com/office/powerpoint/2015/main" val="1"/>
+              </p:ext>
+            </p:extLst>
+          </p:nvPr>
+        </p:nvSpPr>
+        <p:spPr>
+          <a:xfrm>
+            <a:off x="0" y="0"/>
+            <a:ext cx="12192001" cy="6334316"/>
+          </a:xfrm>
+          <a:prstGeom prst="rect">
+            <a:avLst/>
+          </a:prstGeom>
+          <a:ln>
+            <a:noFill/>
+          </a:ln>
+        </p:spPr>
+        <p:style>
+          <a:lnRef idx="2">
+            <a:schemeClr val="accent1">
+              <a:shade val="50000"/>
+            </a:schemeClr>
+          </a:lnRef>
+          <a:fillRef idx="1">
+            <a:schemeClr val="accent1"/>
+          </a:fillRef>
+          <a:effectRef idx="0">
+            <a:schemeClr val="accent1"/>
+          </a:effectRef>
+          <a:fontRef idx="minor">
+            <a:schemeClr val="lt1"/>
+          </a:fontRef>
+        </p:style>
+        <p:txBody>
+          <a:bodyPr rtlCol="0" anchor="ctr"/>
+          <a:lstStyle/>
+          <a:p>
+            <a:pPr algn="ctr"/>
+            <a:endParaRPr lang="en-US"/>
+          </a:p>
+        </p:txBody>
+      </p:sp>
+      <p:sp>
+        <p:nvSpPr>
+          <p:cNvPr id="2" name="Título 1">
+            <a:extLst>
+              <a:ext uri="{FF2B5EF4-FFF2-40B4-BE49-F238E27FC236}">
+                <a16:creationId xmlns:a16="http://schemas.microsoft.com/office/drawing/2014/main" id="{EB5D6CBB-F4D2-DB61-C5A3-36B49EF40E29}"/>
+              </a:ext>
+            </a:extLst>
+          </p:cNvPr>
+          <p:cNvSpPr>
+            <a:spLocks noGrp="1"/>
+          </p:cNvSpPr>
+          <p:nvPr>
+            <p:ph type="title"/>
+          </p:nvPr>
+        </p:nvSpPr>
+        <p:spPr>
+          <a:xfrm>
+            <a:off x="642256" y="642257"/>
+            <a:ext cx="3417677" cy="5226837"/>
+          </a:xfrm>
+        </p:spPr>
+        <p:txBody>
+          <a:bodyPr anchor="t">
+            <a:normAutofit/>
+          </a:bodyPr>
+          <a:lstStyle/>
+          <a:p>
+            <a:r>
+              <a:rPr lang="pt-PT" sz="3700"/>
+              <a:t>Funções Implementadas:</a:t>
+            </a:r>
+            <a:br>
+              <a:rPr lang="pt-PT" sz="3700"/>
+            </a:br>
+            <a:r>
+              <a:rPr lang="pt-PT" sz="3700"/>
+              <a:t>Remove a Pumping Station</a:t>
+            </a:r>
+          </a:p>
+        </p:txBody>
+      </p:sp>
+      <p:sp>
+        <p:nvSpPr>
+          <p:cNvPr id="8" name="Content Placeholder 7">
+            <a:extLst>
+              <a:ext uri="{FF2B5EF4-FFF2-40B4-BE49-F238E27FC236}">
+                <a16:creationId xmlns:a16="http://schemas.microsoft.com/office/drawing/2014/main" id="{EE905F2A-CC0B-D855-DED4-1775007C09C7}"/>
+              </a:ext>
+            </a:extLst>
+          </p:cNvPr>
+          <p:cNvSpPr>
+            <a:spLocks noGrp="1"/>
+          </p:cNvSpPr>
+          <p:nvPr>
+            <p:ph idx="1"/>
+          </p:nvPr>
+        </p:nvSpPr>
+        <p:spPr>
+          <a:xfrm>
+            <a:off x="4713512" y="642258"/>
+            <a:ext cx="6847117" cy="3091682"/>
+          </a:xfrm>
+        </p:spPr>
+        <p:txBody>
+          <a:bodyPr>
+            <a:normAutofit/>
+          </a:bodyPr>
+          <a:lstStyle/>
+          <a:p>
+            <a:r>
+              <a:rPr lang="en-US" dirty="0" err="1"/>
+              <a:t>Funções</a:t>
+            </a:r>
+            <a:r>
+              <a:rPr lang="en-US" dirty="0"/>
+              <a:t> </a:t>
+            </a:r>
+            <a:r>
+              <a:rPr lang="en-US" dirty="0" err="1"/>
+              <a:t>relevantes</a:t>
+            </a:r>
+            <a:r>
+              <a:rPr lang="en-US" dirty="0"/>
+              <a:t>: </a:t>
+            </a:r>
+          </a:p>
+          <a:p>
+            <a:pPr>
+              <a:buFont typeface="Arial" panose="020B0604020202020204" pitchFamily="34" charset="0"/>
+              <a:buChar char="•"/>
+            </a:pPr>
+            <a:r>
+              <a:rPr lang="en-US" dirty="0"/>
+              <a:t>void </a:t>
+            </a:r>
+            <a:r>
+              <a:rPr lang="en-US" dirty="0" err="1"/>
+              <a:t>vertexRemovalFailures</a:t>
+            </a:r>
+            <a:r>
+              <a:rPr lang="en-US" dirty="0"/>
+              <a:t>(graph* g1, std::string </a:t>
+            </a:r>
+            <a:r>
+              <a:rPr lang="en-US" dirty="0" err="1"/>
+              <a:t>PScode</a:t>
+            </a:r>
+            <a:r>
+              <a:rPr lang="en-US" dirty="0"/>
+              <a:t>);</a:t>
+            </a:r>
+          </a:p>
+          <a:p>
+            <a:pPr>
+              <a:buFont typeface="Arial" panose="020B0604020202020204" pitchFamily="34" charset="0"/>
+              <a:buChar char="•"/>
+            </a:pPr>
+            <a:r>
+              <a:rPr lang="en-US" dirty="0"/>
+              <a:t>void graph::</a:t>
+            </a:r>
+            <a:r>
+              <a:rPr lang="en-US" dirty="0" err="1"/>
+              <a:t>edmondskarp</a:t>
+            </a:r>
+            <a:r>
+              <a:rPr lang="en-US" dirty="0"/>
+              <a:t>(graph *g).</a:t>
+            </a:r>
+            <a:endParaRPr lang="en-US" u="sng" dirty="0"/>
+          </a:p>
+          <a:p>
+            <a:endParaRPr lang="en-US" dirty="0"/>
+          </a:p>
+        </p:txBody>
+      </p:sp>
+      <p:pic>
+        <p:nvPicPr>
+          <p:cNvPr id="4" name="Marcador de Posição de Conteúdo 3">
+            <a:extLst>
+              <a:ext uri="{FF2B5EF4-FFF2-40B4-BE49-F238E27FC236}">
+                <a16:creationId xmlns:a16="http://schemas.microsoft.com/office/drawing/2014/main" id="{5A2B01D6-71E1-2325-CEC8-37AF97413F3F}"/>
+              </a:ext>
+            </a:extLst>
+          </p:cNvPr>
+          <p:cNvPicPr>
+            <a:picLocks noChangeAspect="1"/>
+          </p:cNvPicPr>
+          <p:nvPr/>
+        </p:nvPicPr>
+        <p:blipFill>
+          <a:blip r:embed="rId2"/>
+          <a:stretch>
+            <a:fillRect/>
+          </a:stretch>
+        </p:blipFill>
+        <p:spPr>
+          <a:xfrm>
+            <a:off x="4713512" y="4516415"/>
+            <a:ext cx="6847117" cy="838772"/>
+          </a:xfrm>
+          <a:prstGeom prst="rect">
+            <a:avLst/>
+          </a:prstGeom>
+        </p:spPr>
+      </p:pic>
+      <p:sp>
+        <p:nvSpPr>
+          <p:cNvPr id="13" name="Rectangle 12">
+            <a:extLst>
+              <a:ext uri="{FF2B5EF4-FFF2-40B4-BE49-F238E27FC236}">
+                <a16:creationId xmlns:a16="http://schemas.microsoft.com/office/drawing/2014/main" id="{1924D57B-FEC9-4779-B514-732685B876E8}"/>
+              </a:ext>
+              <a:ext uri="{C183D7F6-B498-43B3-948B-1728B52AA6E4}">
+                <adec:decorative xmlns:adec="http://schemas.microsoft.com/office/drawing/2017/decorative" val="1"/>
+              </a:ext>
+            </a:extLst>
+          </p:cNvPr>
+          <p:cNvSpPr>
+            <a:spLocks noGrp="1" noRot="1" noChangeAspect="1" noMove="1" noResize="1" noEditPoints="1" noAdjustHandles="1" noChangeArrowheads="1" noChangeShapeType="1" noTextEdit="1"/>
+          </p:cNvSpPr>
+          <p:nvPr>
+            <p:extLst>
+              <p:ext uri="{386F3935-93C4-4BCD-93E2-E3B085C9AB24}">
+                <p16:designElem xmlns:p16="http://schemas.microsoft.com/office/powerpoint/2015/main" val="1"/>
+              </p:ext>
+            </p:extLst>
+          </p:nvPr>
+        </p:nvSpPr>
+        <p:spPr>
+          <a:xfrm>
+            <a:off x="15" y="6334316"/>
+            <a:ext cx="12191985" cy="66484"/>
+          </a:xfrm>
+          <a:prstGeom prst="rect">
+            <a:avLst/>
+          </a:prstGeom>
+          <a:solidFill>
+            <a:schemeClr val="accent1"/>
+          </a:solidFill>
+          <a:ln>
+            <a:noFill/>
+          </a:ln>
+        </p:spPr>
+        <p:style>
+          <a:lnRef idx="2">
+            <a:schemeClr val="accent1">
+              <a:shade val="50000"/>
+            </a:schemeClr>
+          </a:lnRef>
+          <a:fillRef idx="1">
+            <a:schemeClr val="accent1"/>
+          </a:fillRef>
+          <a:effectRef idx="0">
+            <a:schemeClr val="accent1"/>
+          </a:effectRef>
+          <a:fontRef idx="minor">
+            <a:schemeClr val="lt1"/>
+          </a:fontRef>
+        </p:style>
+        <p:txBody>
+          <a:bodyPr/>
+          <a:lstStyle/>
+          <a:p>
+            <a:endParaRPr lang="pt-PT"/>
+          </a:p>
+        </p:txBody>
+      </p:sp>
+      <p:sp>
+        <p:nvSpPr>
+          <p:cNvPr id="15" name="Rectangle 14">
+            <a:extLst>
+              <a:ext uri="{FF2B5EF4-FFF2-40B4-BE49-F238E27FC236}">
+                <a16:creationId xmlns:a16="http://schemas.microsoft.com/office/drawing/2014/main" id="{55EFD2BD-6E0E-4450-A3FF-5D1EA322A38B}"/>
+              </a:ext>
+              <a:ext uri="{C183D7F6-B498-43B3-948B-1728B52AA6E4}">
+                <adec:decorative xmlns:adec="http://schemas.microsoft.com/office/drawing/2017/decorative" val="1"/>
+              </a:ext>
+            </a:extLst>
+          </p:cNvPr>
+          <p:cNvSpPr>
+            <a:spLocks noGrp="1" noRot="1" noChangeAspect="1" noMove="1" noResize="1" noEditPoints="1" noAdjustHandles="1" noChangeArrowheads="1" noChangeShapeType="1" noTextEdit="1"/>
+          </p:cNvSpPr>
+          <p:nvPr>
+            <p:extLst>
+              <p:ext uri="{386F3935-93C4-4BCD-93E2-E3B085C9AB24}">
+                <p16:designElem xmlns:p16="http://schemas.microsoft.com/office/powerpoint/2015/main" val="1"/>
+              </p:ext>
+            </p:extLst>
+          </p:nvPr>
+        </p:nvSpPr>
+        <p:spPr>
+          <a:xfrm>
+            <a:off x="1" y="6400800"/>
+            <a:ext cx="12192000" cy="457200"/>
+          </a:xfrm>
+          <a:prstGeom prst="rect">
+            <a:avLst/>
+          </a:prstGeom>
+          <a:solidFill>
+            <a:schemeClr val="accent2"/>
+          </a:solidFill>
+          <a:ln>
+            <a:noFill/>
+          </a:ln>
+        </p:spPr>
+        <p:style>
+          <a:lnRef idx="2">
+            <a:schemeClr val="accent1">
+              <a:shade val="50000"/>
+            </a:schemeClr>
+          </a:lnRef>
+          <a:fillRef idx="1">
+            <a:schemeClr val="accent1"/>
+          </a:fillRef>
+          <a:effectRef idx="0">
+            <a:schemeClr val="accent1"/>
+          </a:effectRef>
+          <a:fontRef idx="minor">
+            <a:schemeClr val="lt1"/>
+          </a:fontRef>
+        </p:style>
+        <p:txBody>
+          <a:bodyPr/>
+          <a:lstStyle/>
+          <a:p>
+            <a:endParaRPr lang="pt-PT"/>
+          </a:p>
+        </p:txBody>
+      </p:sp>
+    </p:spTree>
+    <p:extLst>
+      <p:ext uri="{BB962C8B-B14F-4D97-AF65-F5344CB8AC3E}">
+        <p14:creationId xmlns:p14="http://schemas.microsoft.com/office/powerpoint/2010/main" val="635465390"/>
+      </p:ext>
+    </p:extLst>
+  </p:cSld>
+  <p:clrMapOvr>
+    <a:masterClrMapping/>
+  </p:clrMapOvr>
+</p:sld>
+</file>
+
+<file path=ppt/slides/slide8.xml><?xml version="1.0" encoding="utf-8"?>
+<p:sld xmlns:a="http://schemas.openxmlformats.org/drawingml/2006/main" xmlns:r="http://schemas.openxmlformats.org/officeDocument/2006/relationships" xmlns:p="http://schemas.openxmlformats.org/presentationml/2006/main">
+  <p:cSld>
+    <p:bg>
+      <p:bgPr>
+        <a:solidFill>
+          <a:schemeClr val="bg1"/>
+        </a:solidFill>
+        <a:effectLst/>
+      </p:bgPr>
+    </p:bg>
+    <p:spTree>
+      <p:nvGrpSpPr>
+        <p:cNvPr id="1" name=""/>
+        <p:cNvGrpSpPr/>
+        <p:nvPr/>
+      </p:nvGrpSpPr>
+      <p:grpSpPr>
+        <a:xfrm>
+          <a:off x="0" y="0"/>
+          <a:ext cx="0" cy="0"/>
+          <a:chOff x="0" y="0"/>
+          <a:chExt cx="0" cy="0"/>
+        </a:xfrm>
+      </p:grpSpPr>
+      <p:sp useBgFill="1">
+        <p:nvSpPr>
+          <p:cNvPr id="11" name="Rectangle 10">
+            <a:extLst>
+              <a:ext uri="{FF2B5EF4-FFF2-40B4-BE49-F238E27FC236}">
+                <a16:creationId xmlns:a16="http://schemas.microsoft.com/office/drawing/2014/main" id="{3DE3B93A-6105-4E0D-ABE7-1711117A80FC}"/>
+              </a:ext>
+              <a:ext uri="{C183D7F6-B498-43B3-948B-1728B52AA6E4}">
+                <adec:decorative xmlns:adec="http://schemas.microsoft.com/office/drawing/2017/decorative" val="1"/>
+              </a:ext>
+            </a:extLst>
+          </p:cNvPr>
+          <p:cNvSpPr>
+            <a:spLocks noGrp="1" noRot="1" noChangeAspect="1" noMove="1" noResize="1" noEditPoints="1" noAdjustHandles="1" noChangeArrowheads="1" noChangeShapeType="1" noTextEdit="1"/>
+          </p:cNvSpPr>
+          <p:nvPr>
+            <p:extLst>
+              <p:ext uri="{386F3935-93C4-4BCD-93E2-E3B085C9AB24}">
+                <p16:designElem xmlns:p16="http://schemas.microsoft.com/office/powerpoint/2015/main" val="1"/>
+              </p:ext>
+            </p:extLst>
+          </p:nvPr>
+        </p:nvSpPr>
+        <p:spPr>
+          <a:xfrm>
+            <a:off x="0" y="0"/>
+            <a:ext cx="12192001" cy="6334316"/>
+          </a:xfrm>
+          <a:prstGeom prst="rect">
+            <a:avLst/>
+          </a:prstGeom>
+          <a:ln>
+            <a:noFill/>
+          </a:ln>
+        </p:spPr>
+        <p:style>
+          <a:lnRef idx="2">
+            <a:schemeClr val="accent1">
+              <a:shade val="50000"/>
+            </a:schemeClr>
+          </a:lnRef>
+          <a:fillRef idx="1">
+            <a:schemeClr val="accent1"/>
+          </a:fillRef>
+          <a:effectRef idx="0">
+            <a:schemeClr val="accent1"/>
+          </a:effectRef>
+          <a:fontRef idx="minor">
+            <a:schemeClr val="lt1"/>
+          </a:fontRef>
+        </p:style>
+        <p:txBody>
+          <a:bodyPr rtlCol="0" anchor="ctr"/>
+          <a:lstStyle/>
+          <a:p>
+            <a:pPr algn="ctr"/>
+            <a:endParaRPr lang="en-US"/>
+          </a:p>
+        </p:txBody>
+      </p:sp>
+      <p:sp>
+        <p:nvSpPr>
+          <p:cNvPr id="2" name="Título 1">
+            <a:extLst>
+              <a:ext uri="{FF2B5EF4-FFF2-40B4-BE49-F238E27FC236}">
+                <a16:creationId xmlns:a16="http://schemas.microsoft.com/office/drawing/2014/main" id="{09691BA7-8BC1-1131-A993-D5192DD1601E}"/>
+              </a:ext>
+            </a:extLst>
+          </p:cNvPr>
+          <p:cNvSpPr>
+            <a:spLocks noGrp="1"/>
+          </p:cNvSpPr>
+          <p:nvPr>
+            <p:ph type="title"/>
+          </p:nvPr>
+        </p:nvSpPr>
+        <p:spPr>
+          <a:xfrm>
+            <a:off x="642256" y="642257"/>
+            <a:ext cx="3417677" cy="5226837"/>
+          </a:xfrm>
+        </p:spPr>
+        <p:txBody>
+          <a:bodyPr anchor="t">
+            <a:normAutofit/>
+          </a:bodyPr>
+          <a:lstStyle/>
+          <a:p>
+            <a:r>
+              <a:rPr lang="pt-PT" sz="3700" dirty="0"/>
+              <a:t>Funções Implementadas:</a:t>
+            </a:r>
+            <a:br>
+              <a:rPr lang="pt-PT" sz="3700" dirty="0"/>
+            </a:br>
+            <a:r>
+              <a:rPr lang="pt-PT" sz="3700" dirty="0"/>
+              <a:t>Remove a </a:t>
+            </a:r>
+            <a:r>
+              <a:rPr lang="pt-PT" sz="3700" dirty="0" err="1"/>
+              <a:t>Pipe</a:t>
+            </a:r>
+            <a:r>
+              <a:rPr lang="pt-PT" sz="3700" dirty="0"/>
+              <a:t>/s</a:t>
+            </a:r>
+          </a:p>
+        </p:txBody>
+      </p:sp>
+      <p:sp>
+        <p:nvSpPr>
+          <p:cNvPr id="8" name="Content Placeholder 7">
+            <a:extLst>
+              <a:ext uri="{FF2B5EF4-FFF2-40B4-BE49-F238E27FC236}">
+                <a16:creationId xmlns:a16="http://schemas.microsoft.com/office/drawing/2014/main" id="{D361C046-0D35-38E9-2E11-1F84E41E74C1}"/>
+              </a:ext>
+            </a:extLst>
+          </p:cNvPr>
+          <p:cNvSpPr>
+            <a:spLocks noGrp="1"/>
+          </p:cNvSpPr>
+          <p:nvPr>
+            <p:ph idx="1"/>
+          </p:nvPr>
+        </p:nvSpPr>
+        <p:spPr>
+          <a:xfrm>
+            <a:off x="4713512" y="642258"/>
+            <a:ext cx="6847117" cy="3091682"/>
+          </a:xfrm>
+        </p:spPr>
+        <p:txBody>
+          <a:bodyPr>
+            <a:normAutofit/>
+          </a:bodyPr>
+          <a:lstStyle/>
+          <a:p>
+            <a:r>
+              <a:rPr lang="en-US" dirty="0" err="1"/>
+              <a:t>Funções</a:t>
+            </a:r>
+            <a:r>
+              <a:rPr lang="en-US" dirty="0"/>
+              <a:t> </a:t>
+            </a:r>
+            <a:r>
+              <a:rPr lang="en-US" dirty="0" err="1"/>
+              <a:t>relevantes</a:t>
+            </a:r>
+            <a:r>
+              <a:rPr lang="en-US" dirty="0"/>
+              <a:t>: </a:t>
+            </a:r>
+          </a:p>
+          <a:p>
+            <a:pPr>
+              <a:buFont typeface="Arial" panose="020B0604020202020204" pitchFamily="34" charset="0"/>
+              <a:buChar char="•"/>
+            </a:pPr>
+            <a:r>
+              <a:rPr lang="en-US" dirty="0"/>
+              <a:t>void </a:t>
+            </a:r>
+            <a:r>
+              <a:rPr lang="en-US" dirty="0" err="1"/>
+              <a:t>pipelineRemovalFailures</a:t>
+            </a:r>
+            <a:r>
+              <a:rPr lang="en-US" dirty="0"/>
+              <a:t>(graph* g1, pair&lt;std::string, std::string&gt; </a:t>
+            </a:r>
+            <a:r>
+              <a:rPr lang="en-US" dirty="0" err="1"/>
+              <a:t>pipelinestoremove</a:t>
+            </a:r>
+            <a:r>
+              <a:rPr lang="en-US" dirty="0"/>
+              <a:t>);</a:t>
+            </a:r>
+          </a:p>
+          <a:p>
+            <a:pPr>
+              <a:buFont typeface="Arial" panose="020B0604020202020204" pitchFamily="34" charset="0"/>
+              <a:buChar char="•"/>
+            </a:pPr>
+            <a:r>
+              <a:rPr lang="en-US" dirty="0"/>
+              <a:t>void graph::</a:t>
+            </a:r>
+            <a:r>
+              <a:rPr lang="en-US" dirty="0" err="1"/>
+              <a:t>edmondskarp</a:t>
+            </a:r>
+            <a:r>
+              <a:rPr lang="en-US" dirty="0"/>
+              <a:t>(graph *g).</a:t>
+            </a:r>
+            <a:endParaRPr lang="en-US" u="sng" dirty="0"/>
+          </a:p>
+          <a:p>
+            <a:endParaRPr lang="en-US" dirty="0"/>
+          </a:p>
+        </p:txBody>
+      </p:sp>
+      <p:pic>
+        <p:nvPicPr>
+          <p:cNvPr id="4" name="Marcador de Posição de Conteúdo 3">
+            <a:extLst>
+              <a:ext uri="{FF2B5EF4-FFF2-40B4-BE49-F238E27FC236}">
+                <a16:creationId xmlns:a16="http://schemas.microsoft.com/office/drawing/2014/main" id="{A3D65F40-A14A-2ED3-6984-E0141E2D9E4C}"/>
+              </a:ext>
+            </a:extLst>
+          </p:cNvPr>
+          <p:cNvPicPr>
+            <a:picLocks noChangeAspect="1"/>
+          </p:cNvPicPr>
+          <p:nvPr/>
+        </p:nvPicPr>
+        <p:blipFill>
+          <a:blip r:embed="rId2"/>
+          <a:stretch>
+            <a:fillRect/>
+          </a:stretch>
+        </p:blipFill>
+        <p:spPr>
+          <a:xfrm>
+            <a:off x="4713512" y="4499297"/>
+            <a:ext cx="6847117" cy="873007"/>
+          </a:xfrm>
+          <a:prstGeom prst="rect">
+            <a:avLst/>
+          </a:prstGeom>
+        </p:spPr>
+      </p:pic>
+      <p:sp>
+        <p:nvSpPr>
+          <p:cNvPr id="13" name="Rectangle 12">
+            <a:extLst>
+              <a:ext uri="{FF2B5EF4-FFF2-40B4-BE49-F238E27FC236}">
+                <a16:creationId xmlns:a16="http://schemas.microsoft.com/office/drawing/2014/main" id="{1924D57B-FEC9-4779-B514-732685B876E8}"/>
+              </a:ext>
+              <a:ext uri="{C183D7F6-B498-43B3-948B-1728B52AA6E4}">
+                <adec:decorative xmlns:adec="http://schemas.microsoft.com/office/drawing/2017/decorative" val="1"/>
+              </a:ext>
+            </a:extLst>
+          </p:cNvPr>
+          <p:cNvSpPr>
+            <a:spLocks noGrp="1" noRot="1" noChangeAspect="1" noMove="1" noResize="1" noEditPoints="1" noAdjustHandles="1" noChangeArrowheads="1" noChangeShapeType="1" noTextEdit="1"/>
+          </p:cNvSpPr>
+          <p:nvPr>
+            <p:extLst>
+              <p:ext uri="{386F3935-93C4-4BCD-93E2-E3B085C9AB24}">
+                <p16:designElem xmlns:p16="http://schemas.microsoft.com/office/powerpoint/2015/main" val="1"/>
+              </p:ext>
+            </p:extLst>
+          </p:nvPr>
+        </p:nvSpPr>
+        <p:spPr>
+          <a:xfrm>
+            <a:off x="15" y="6334316"/>
+            <a:ext cx="12191985" cy="66484"/>
+          </a:xfrm>
+          <a:prstGeom prst="rect">
+            <a:avLst/>
+          </a:prstGeom>
+          <a:solidFill>
+            <a:schemeClr val="accent1"/>
+          </a:solidFill>
+          <a:ln>
+            <a:noFill/>
+          </a:ln>
+        </p:spPr>
+        <p:style>
+          <a:lnRef idx="2">
+            <a:schemeClr val="accent1">
+              <a:shade val="50000"/>
+            </a:schemeClr>
+          </a:lnRef>
+          <a:fillRef idx="1">
+            <a:schemeClr val="accent1"/>
+          </a:fillRef>
+          <a:effectRef idx="0">
+            <a:schemeClr val="accent1"/>
+          </a:effectRef>
+          <a:fontRef idx="minor">
+            <a:schemeClr val="lt1"/>
+          </a:fontRef>
+        </p:style>
+        <p:txBody>
+          <a:bodyPr/>
+          <a:lstStyle/>
+          <a:p>
+            <a:endParaRPr lang="pt-PT"/>
+          </a:p>
+        </p:txBody>
+      </p:sp>
+      <p:sp>
+        <p:nvSpPr>
+          <p:cNvPr id="15" name="Rectangle 14">
+            <a:extLst>
+              <a:ext uri="{FF2B5EF4-FFF2-40B4-BE49-F238E27FC236}">
+                <a16:creationId xmlns:a16="http://schemas.microsoft.com/office/drawing/2014/main" id="{55EFD2BD-6E0E-4450-A3FF-5D1EA322A38B}"/>
+              </a:ext>
+              <a:ext uri="{C183D7F6-B498-43B3-948B-1728B52AA6E4}">
+                <adec:decorative xmlns:adec="http://schemas.microsoft.com/office/drawing/2017/decorative" val="1"/>
+              </a:ext>
+            </a:extLst>
+          </p:cNvPr>
+          <p:cNvSpPr>
+            <a:spLocks noGrp="1" noRot="1" noChangeAspect="1" noMove="1" noResize="1" noEditPoints="1" noAdjustHandles="1" noChangeArrowheads="1" noChangeShapeType="1" noTextEdit="1"/>
+          </p:cNvSpPr>
+          <p:nvPr>
+            <p:extLst>
+              <p:ext uri="{386F3935-93C4-4BCD-93E2-E3B085C9AB24}">
+                <p16:designElem xmlns:p16="http://schemas.microsoft.com/office/powerpoint/2015/main" val="1"/>
+              </p:ext>
+            </p:extLst>
+          </p:nvPr>
+        </p:nvSpPr>
+        <p:spPr>
+          <a:xfrm>
+            <a:off x="1" y="6400800"/>
+            <a:ext cx="12192000" cy="457200"/>
+          </a:xfrm>
+          <a:prstGeom prst="rect">
+            <a:avLst/>
+          </a:prstGeom>
+          <a:solidFill>
+            <a:schemeClr val="accent2"/>
+          </a:solidFill>
+          <a:ln>
+            <a:noFill/>
+          </a:ln>
+        </p:spPr>
+        <p:style>
+          <a:lnRef idx="2">
+            <a:schemeClr val="accent1">
+              <a:shade val="50000"/>
+            </a:schemeClr>
+          </a:lnRef>
+          <a:fillRef idx="1">
+            <a:schemeClr val="accent1"/>
+          </a:fillRef>
+          <a:effectRef idx="0">
+            <a:schemeClr val="accent1"/>
+          </a:effectRef>
+          <a:fontRef idx="minor">
+            <a:schemeClr val="lt1"/>
+          </a:fontRef>
+        </p:style>
+        <p:txBody>
+          <a:bodyPr/>
+          <a:lstStyle/>
+          <a:p>
+            <a:endParaRPr lang="pt-PT"/>
+          </a:p>
+        </p:txBody>
+      </p:sp>
+    </p:spTree>
+    <p:extLst>
+      <p:ext uri="{BB962C8B-B14F-4D97-AF65-F5344CB8AC3E}">
+        <p14:creationId xmlns:p14="http://schemas.microsoft.com/office/powerpoint/2010/main" val="2323999483"/>
+      </p:ext>
+    </p:extLst>
+  </p:cSld>
+  <p:clrMapOvr>
+    <a:masterClrMapping/>
+  </p:clrMapOvr>
+</p:sld>
+</file>
+
+<file path=ppt/slides/slide9.xml><?xml version="1.0" encoding="utf-8"?>
+<p:sld xmlns:a="http://schemas.openxmlformats.org/drawingml/2006/main" xmlns:r="http://schemas.openxmlformats.org/officeDocument/2006/relationships" xmlns:p="http://schemas.openxmlformats.org/presentationml/2006/main">
+  <p:cSld>
+    <p:bg>
+      <p:bgPr>
+        <a:solidFill>
+          <a:schemeClr val="bg1"/>
+        </a:solidFill>
+        <a:effectLst/>
+      </p:bgPr>
+    </p:bg>
+    <p:spTree>
+      <p:nvGrpSpPr>
+        <p:cNvPr id="1" name=""/>
+        <p:cNvGrpSpPr/>
+        <p:nvPr/>
+      </p:nvGrpSpPr>
+      <p:grpSpPr>
+        <a:xfrm>
+          <a:off x="0" y="0"/>
+          <a:ext cx="0" cy="0"/>
+          <a:chOff x="0" y="0"/>
+          <a:chExt cx="0" cy="0"/>
+        </a:xfrm>
+      </p:grpSpPr>
+      <p:sp useBgFill="1">
+        <p:nvSpPr>
+          <p:cNvPr id="11" name="Rectangle 10">
+            <a:extLst>
+              <a:ext uri="{FF2B5EF4-FFF2-40B4-BE49-F238E27FC236}">
+                <a16:creationId xmlns:a16="http://schemas.microsoft.com/office/drawing/2014/main" id="{284B70D5-875B-433D-BDBD-1522A85D6C1D}"/>
+              </a:ext>
+              <a:ext uri="{C183D7F6-B498-43B3-948B-1728B52AA6E4}">
+                <adec:decorative xmlns:adec="http://schemas.microsoft.com/office/drawing/2017/decorative" val="1"/>
+              </a:ext>
+            </a:extLst>
+          </p:cNvPr>
+          <p:cNvSpPr>
+            <a:spLocks noGrp="1" noRot="1" noChangeAspect="1" noMove="1" noResize="1" noEditPoints="1" noAdjustHandles="1" noChangeArrowheads="1" noChangeShapeType="1" noTextEdit="1"/>
+          </p:cNvSpPr>
+          <p:nvPr>
+            <p:extLst>
+              <p:ext uri="{386F3935-93C4-4BCD-93E2-E3B085C9AB24}">
+                <p16:designElem xmlns:p16="http://schemas.microsoft.com/office/powerpoint/2015/main" val="1"/>
+              </p:ext>
+            </p:extLst>
+          </p:nvPr>
+        </p:nvSpPr>
+        <p:spPr>
+          <a:xfrm>
+            <a:off x="0" y="0"/>
+            <a:ext cx="12192001" cy="6334316"/>
+          </a:xfrm>
+          <a:prstGeom prst="rect">
+            <a:avLst/>
+          </a:prstGeom>
+          <a:ln>
+            <a:noFill/>
+          </a:ln>
+        </p:spPr>
+        <p:style>
+          <a:lnRef idx="2">
+            <a:schemeClr val="accent1">
+              <a:shade val="50000"/>
+            </a:schemeClr>
+          </a:lnRef>
+          <a:fillRef idx="1">
+            <a:schemeClr val="accent1"/>
+          </a:fillRef>
+          <a:effectRef idx="0">
+            <a:schemeClr val="accent1"/>
+          </a:effectRef>
+          <a:fontRef idx="minor">
+            <a:schemeClr val="lt1"/>
+          </a:fontRef>
+        </p:style>
+        <p:txBody>
+          <a:bodyPr rtlCol="0" anchor="ctr"/>
+          <a:lstStyle/>
+          <a:p>
+            <a:pPr algn="ctr"/>
+            <a:endParaRPr lang="en-US"/>
+          </a:p>
+        </p:txBody>
+      </p:sp>
+      <p:sp>
+        <p:nvSpPr>
+          <p:cNvPr id="2" name="Título 1">
+            <a:extLst>
+              <a:ext uri="{FF2B5EF4-FFF2-40B4-BE49-F238E27FC236}">
+                <a16:creationId xmlns:a16="http://schemas.microsoft.com/office/drawing/2014/main" id="{C894282E-E145-F1BA-4CAC-B53E86C1941C}"/>
+              </a:ext>
+            </a:extLst>
+          </p:cNvPr>
+          <p:cNvSpPr>
+            <a:spLocks noGrp="1"/>
+          </p:cNvSpPr>
+          <p:nvPr>
+            <p:ph type="title"/>
+          </p:nvPr>
+        </p:nvSpPr>
+        <p:spPr>
+          <a:xfrm>
+            <a:off x="7859485" y="634946"/>
+            <a:ext cx="3690257" cy="1450757"/>
+          </a:xfrm>
+        </p:spPr>
+        <p:txBody>
+          <a:bodyPr>
+            <a:normAutofit/>
+          </a:bodyPr>
+          <a:lstStyle/>
+          <a:p>
+            <a:r>
+              <a:rPr lang="pt-PT" sz="3400"/>
+              <a:t>Funções Implementadas:</a:t>
+            </a:r>
+            <a:br>
+              <a:rPr lang="pt-PT" sz="3400"/>
+            </a:br>
+            <a:r>
+              <a:rPr lang="pt-PT" sz="3400"/>
+              <a:t>Remove a </a:t>
+            </a:r>
+            <a:r>
+              <a:rPr lang="pt-PT" sz="3400" err="1"/>
+              <a:t>Pipe</a:t>
+            </a:r>
+            <a:r>
+              <a:rPr lang="pt-PT" sz="3400"/>
+              <a:t>/s</a:t>
+            </a:r>
+          </a:p>
+        </p:txBody>
+      </p:sp>
+      <p:pic>
+        <p:nvPicPr>
+          <p:cNvPr id="4" name="Marcador de Posição de Conteúdo 3">
+            <a:extLst>
+              <a:ext uri="{FF2B5EF4-FFF2-40B4-BE49-F238E27FC236}">
+                <a16:creationId xmlns:a16="http://schemas.microsoft.com/office/drawing/2014/main" id="{0B21D40E-B434-D8B0-1522-811686A4A52D}"/>
+              </a:ext>
+            </a:extLst>
+          </p:cNvPr>
+          <p:cNvPicPr>
+            <a:picLocks noChangeAspect="1"/>
+          </p:cNvPicPr>
+          <p:nvPr/>
+        </p:nvPicPr>
+        <p:blipFill>
+          <a:blip r:embed="rId2"/>
+          <a:stretch>
+            <a:fillRect/>
+          </a:stretch>
+        </p:blipFill>
+        <p:spPr>
+          <a:xfrm>
+            <a:off x="633999" y="1501158"/>
+            <a:ext cx="6909801" cy="3592251"/>
+          </a:xfrm>
+          <a:prstGeom prst="rect">
+            <a:avLst/>
+          </a:prstGeom>
+        </p:spPr>
+      </p:pic>
+      <p:cxnSp>
+        <p:nvCxnSpPr>
+          <p:cNvPr id="13" name="Straight Connector 12">
+            <a:extLst>
+              <a:ext uri="{FF2B5EF4-FFF2-40B4-BE49-F238E27FC236}">
+                <a16:creationId xmlns:a16="http://schemas.microsoft.com/office/drawing/2014/main" id="{C947DF4A-614C-4B4C-8B80-E5B9D8E8CFED}"/>
+              </a:ext>
+              <a:ext uri="{C183D7F6-B498-43B3-948B-1728B52AA6E4}">
+                <adec:decorative xmlns:adec="http://schemas.microsoft.com/office/drawing/2017/decorative" val="1"/>
+              </a:ext>
+            </a:extLst>
+          </p:cNvPr>
+          <p:cNvCxnSpPr>
+            <a:cxnSpLocks noGrp="1" noRot="1" noChangeAspect="1" noMove="1" noResize="1" noEditPoints="1" noAdjustHandles="1" noChangeArrowheads="1" noChangeShapeType="1"/>
+          </p:cNvCxnSpPr>
+          <p:nvPr>
+            <p:extLst>
+              <p:ext uri="{386F3935-93C4-4BCD-93E2-E3B085C9AB24}">
+                <p16:designElem xmlns:p16="http://schemas.microsoft.com/office/powerpoint/2015/main" val="1"/>
+              </p:ext>
+            </p:extLst>
+          </p:nvPr>
+        </p:nvCxnSpPr>
+        <p:spPr>
+          <a:xfrm>
+            <a:off x="7892143" y="2085703"/>
+            <a:ext cx="3566160" cy="0"/>
+          </a:xfrm>
+          <a:prstGeom prst="line">
+            <a:avLst/>
+          </a:prstGeom>
+          <a:ln w="6350">
+            <a:solidFill>
+              <a:schemeClr val="tx1">
+                <a:lumMod val="50000"/>
+                <a:lumOff val="50000"/>
+                <a:alpha val="90000"/>
+              </a:schemeClr>
+            </a:solidFill>
+          </a:ln>
+        </p:spPr>
+        <p:style>
+          <a:lnRef idx="1">
+            <a:schemeClr val="accent1"/>
+          </a:lnRef>
+          <a:fillRef idx="0">
+            <a:schemeClr val="accent1"/>
+          </a:fillRef>
+          <a:effectRef idx="0">
+            <a:schemeClr val="accent1"/>
+          </a:effectRef>
+          <a:fontRef idx="minor">
+            <a:schemeClr val="tx1"/>
+          </a:fontRef>
+        </p:style>
+      </p:cxnSp>
+      <p:sp>
+        <p:nvSpPr>
+          <p:cNvPr id="8" name="Content Placeholder 7">
+            <a:extLst>
+              <a:ext uri="{FF2B5EF4-FFF2-40B4-BE49-F238E27FC236}">
+                <a16:creationId xmlns:a16="http://schemas.microsoft.com/office/drawing/2014/main" id="{6965A240-1A0D-3267-5405-E6695985A76B}"/>
+              </a:ext>
+            </a:extLst>
+          </p:cNvPr>
+          <p:cNvSpPr>
+            <a:spLocks noGrp="1"/>
+          </p:cNvSpPr>
+          <p:nvPr>
+            <p:ph idx="1"/>
+          </p:nvPr>
+        </p:nvSpPr>
+        <p:spPr>
+          <a:xfrm>
+            <a:off x="7859485" y="2198914"/>
+            <a:ext cx="3690257" cy="3670180"/>
+          </a:xfrm>
+        </p:spPr>
+        <p:txBody>
+          <a:bodyPr>
+            <a:normAutofit/>
+          </a:bodyPr>
+          <a:lstStyle/>
+          <a:p>
+            <a:pPr>
+              <a:buFont typeface="Arial" panose="020B0604020202020204" pitchFamily="34" charset="0"/>
+              <a:buChar char="•"/>
+            </a:pPr>
+            <a:r>
+              <a:rPr lang="en-US" dirty="0"/>
+              <a:t>Como </a:t>
+            </a:r>
+            <a:r>
+              <a:rPr lang="en-US" dirty="0" err="1"/>
+              <a:t>foi</a:t>
+            </a:r>
+            <a:r>
+              <a:rPr lang="en-US" dirty="0"/>
+              <a:t> </a:t>
+            </a:r>
+            <a:r>
+              <a:rPr lang="en-US" dirty="0" err="1"/>
+              <a:t>pedido</a:t>
+            </a:r>
+            <a:r>
+              <a:rPr lang="en-US" dirty="0"/>
+              <a:t> no </a:t>
+            </a:r>
+            <a:r>
+              <a:rPr lang="en-US" dirty="0" err="1"/>
+              <a:t>guião</a:t>
+            </a:r>
+            <a:r>
+              <a:rPr lang="en-US" dirty="0"/>
+              <a:t>, </a:t>
+            </a:r>
+            <a:r>
+              <a:rPr lang="en-US" dirty="0" err="1"/>
+              <a:t>implementámos</a:t>
+            </a:r>
+            <a:r>
+              <a:rPr lang="en-US" dirty="0"/>
+              <a:t> um menu para </a:t>
+            </a:r>
+            <a:r>
+              <a:rPr lang="en-US" dirty="0" err="1"/>
+              <a:t>podermos</a:t>
+            </a:r>
+            <a:r>
+              <a:rPr lang="en-US" dirty="0"/>
+              <a:t> </a:t>
+            </a:r>
+            <a:r>
+              <a:rPr lang="en-US" dirty="0" err="1"/>
+              <a:t>navegar</a:t>
+            </a:r>
+            <a:r>
+              <a:rPr lang="en-US" dirty="0"/>
+              <a:t> as </a:t>
+            </a:r>
+            <a:r>
+              <a:rPr lang="en-US" dirty="0" err="1"/>
+              <a:t>diferentes</a:t>
+            </a:r>
+            <a:r>
+              <a:rPr lang="en-US" dirty="0"/>
+              <a:t> </a:t>
+            </a:r>
+            <a:r>
+              <a:rPr lang="en-US" dirty="0" err="1"/>
+              <a:t>funcionalidades</a:t>
+            </a:r>
+            <a:r>
+              <a:rPr lang="en-US" dirty="0"/>
+              <a:t> do </a:t>
+            </a:r>
+            <a:r>
+              <a:rPr lang="en-US" dirty="0" err="1"/>
+              <a:t>nosso</a:t>
+            </a:r>
+            <a:r>
+              <a:rPr lang="en-US" dirty="0"/>
+              <a:t> Sistema. </a:t>
+            </a:r>
+          </a:p>
+        </p:txBody>
+      </p:sp>
+      <p:sp>
+        <p:nvSpPr>
+          <p:cNvPr id="15" name="Rectangle 14">
+            <a:extLst>
+              <a:ext uri="{FF2B5EF4-FFF2-40B4-BE49-F238E27FC236}">
+                <a16:creationId xmlns:a16="http://schemas.microsoft.com/office/drawing/2014/main" id="{1E299956-A9E7-4FC1-A0B1-D590CA9730E8}"/>
+              </a:ext>
+              <a:ext uri="{C183D7F6-B498-43B3-948B-1728B52AA6E4}">
+                <adec:decorative xmlns:adec="http://schemas.microsoft.com/office/drawing/2017/decorative" val="1"/>
+              </a:ext>
+            </a:extLst>
+          </p:cNvPr>
+          <p:cNvSpPr>
+            <a:spLocks noGrp="1" noRot="1" noChangeAspect="1" noMove="1" noResize="1" noEditPoints="1" noAdjustHandles="1" noChangeArrowheads="1" noChangeShapeType="1" noTextEdit="1"/>
+          </p:cNvSpPr>
+          <p:nvPr>
+            <p:extLst>
+              <p:ext uri="{386F3935-93C4-4BCD-93E2-E3B085C9AB24}">
+                <p16:designElem xmlns:p16="http://schemas.microsoft.com/office/powerpoint/2015/main" val="1"/>
+              </p:ext>
+            </p:extLst>
+          </p:nvPr>
+        </p:nvSpPr>
+        <p:spPr>
+          <a:xfrm>
+            <a:off x="15" y="6334316"/>
+            <a:ext cx="12191985" cy="66484"/>
+          </a:xfrm>
+          <a:prstGeom prst="rect">
+            <a:avLst/>
+          </a:prstGeom>
+          <a:solidFill>
+            <a:schemeClr val="accent1"/>
+          </a:solidFill>
+          <a:ln>
+            <a:noFill/>
+          </a:ln>
+        </p:spPr>
+        <p:style>
+          <a:lnRef idx="2">
+            <a:schemeClr val="accent1">
+              <a:shade val="50000"/>
+            </a:schemeClr>
+          </a:lnRef>
+          <a:fillRef idx="1">
+            <a:schemeClr val="accent1"/>
+          </a:fillRef>
+          <a:effectRef idx="0">
+            <a:schemeClr val="accent1"/>
+          </a:effectRef>
+          <a:fontRef idx="minor">
+            <a:schemeClr val="lt1"/>
+          </a:fontRef>
+        </p:style>
+        <p:txBody>
+          <a:bodyPr/>
+          <a:lstStyle/>
+          <a:p>
+            <a:endParaRPr lang="pt-PT"/>
+          </a:p>
+        </p:txBody>
+      </p:sp>
+      <p:sp>
+        <p:nvSpPr>
+          <p:cNvPr id="17" name="Rectangle 16">
+            <a:extLst>
+              <a:ext uri="{FF2B5EF4-FFF2-40B4-BE49-F238E27FC236}">
+                <a16:creationId xmlns:a16="http://schemas.microsoft.com/office/drawing/2014/main" id="{17FC539C-B783-4B03-9F9E-D13430F3F64F}"/>
+              </a:ext>
+              <a:ext uri="{C183D7F6-B498-43B3-948B-1728B52AA6E4}">
+                <adec:decorative xmlns:adec="http://schemas.microsoft.com/office/drawing/2017/decorative" val="1"/>
+              </a:ext>
+            </a:extLst>
+          </p:cNvPr>
+          <p:cNvSpPr>
+            <a:spLocks noGrp="1" noRot="1" noChangeAspect="1" noMove="1" noResize="1" noEditPoints="1" noAdjustHandles="1" noChangeArrowheads="1" noChangeShapeType="1" noTextEdit="1"/>
+          </p:cNvSpPr>
+          <p:nvPr>
+            <p:extLst>
+              <p:ext uri="{386F3935-93C4-4BCD-93E2-E3B085C9AB24}">
+                <p16:designElem xmlns:p16="http://schemas.microsoft.com/office/powerpoint/2015/main" val="1"/>
+              </p:ext>
+            </p:extLst>
+          </p:nvPr>
+        </p:nvSpPr>
+        <p:spPr>
+          <a:xfrm>
+            <a:off x="1" y="6400800"/>
+            <a:ext cx="12192000" cy="457200"/>
+          </a:xfrm>
+          <a:prstGeom prst="rect">
+            <a:avLst/>
+          </a:prstGeom>
+          <a:solidFill>
+            <a:schemeClr val="accent2"/>
+          </a:solidFill>
+          <a:ln>
+            <a:noFill/>
+          </a:ln>
+        </p:spPr>
+        <p:style>
+          <a:lnRef idx="2">
+            <a:schemeClr val="accent1">
+              <a:shade val="50000"/>
+            </a:schemeClr>
+          </a:lnRef>
+          <a:fillRef idx="1">
+            <a:schemeClr val="accent1"/>
+          </a:fillRef>
+          <a:effectRef idx="0">
+            <a:schemeClr val="accent1"/>
+          </a:effectRef>
+          <a:fontRef idx="minor">
+            <a:schemeClr val="lt1"/>
+          </a:fontRef>
+        </p:style>
+        <p:txBody>
+          <a:bodyPr/>
+          <a:lstStyle/>
+          <a:p>
+            <a:endParaRPr lang="pt-PT"/>
+          </a:p>
+        </p:txBody>
+      </p:sp>
+    </p:spTree>
+    <p:extLst>
+      <p:ext uri="{BB962C8B-B14F-4D97-AF65-F5344CB8AC3E}">
+        <p14:creationId xmlns:p14="http://schemas.microsoft.com/office/powerpoint/2010/main" val="1485281641"/>
       </p:ext>
     </p:extLst>
   </p:cSld>
